--- a/content/reading-09-services-application-architectures.pptx
+++ b/content/reading-09-services-application-architectures.pptx
@@ -1140,10 +1140,9 @@
             <a:defRPr b="1"/>
           </a:pPr>
           <a:r>
-            <a:rPr lang="en-US" dirty="0" smtClean="0"/>
+            <a:rPr lang="en-US" dirty="0"/>
             <a:t>Data</a:t>
           </a:r>
-          <a:endParaRPr lang="en-US" dirty="0"/>
         </a:p>
       </dgm:t>
     </dgm:pt>
@@ -1214,13 +1213,8 @@
         <a:p>
           <a:r>
             <a:rPr lang="en-US" dirty="0"/>
-            <a:t>Data storage and </a:t>
+            <a:t>Data storage and retrieval of Relevant Data.</a:t>
           </a:r>
-          <a:r>
-            <a:rPr lang="en-US" dirty="0" smtClean="0"/>
-            <a:t>retrieval of Relevant Data.</a:t>
-          </a:r>
-          <a:endParaRPr lang="en-US" dirty="0"/>
         </a:p>
       </dgm:t>
     </dgm:pt>
@@ -1254,13 +1248,6 @@
         </dgm:presLayoutVars>
       </dgm:prSet>
       <dgm:spPr/>
-      <dgm:t>
-        <a:bodyPr/>
-        <a:lstStyle/>
-        <a:p>
-          <a:endParaRPr lang="en-US"/>
-        </a:p>
-      </dgm:t>
     </dgm:pt>
     <dgm:pt modelId="{EEF4FE9D-B14C-45ED-ABA3-FD3186C45BD5}" type="pres">
       <dgm:prSet presAssocID="{BDDDF605-9CCE-4558-95B0-1E6CA781A5DA}" presName="compNode" presStyleCnt="0"/>
@@ -1276,7 +1263,7 @@
                 <a14:useLocalDpi xmlns:a14="http://schemas.microsoft.com/office/drawing/2010/main" val="0"/>
               </a:ext>
               <a:ext uri="{96DAC541-7B7A-43D3-8B79-37D633B846F1}">
-                <asvg:svgBlip xmlns:asvg="http://schemas.microsoft.com/office/drawing/2016/SVG/main" xmlns="" r:embed="rId2"/>
+                <asvg:svgBlip xmlns:asvg="http://schemas.microsoft.com/office/drawing/2016/SVG/main" r:embed="rId2"/>
               </a:ext>
             </a:extLst>
           </a:blip>
@@ -1289,13 +1276,6 @@
           <a:noFill/>
         </a:ln>
       </dgm:spPr>
-      <dgm:t>
-        <a:bodyPr/>
-        <a:lstStyle/>
-        <a:p>
-          <a:endParaRPr lang="en-US"/>
-        </a:p>
-      </dgm:t>
       <dgm:extLst>
         <a:ext uri="{E40237B7-FDA0-4F09-8148-C483321AD2D9}">
           <dgm14:cNvPr xmlns:dgm14="http://schemas.microsoft.com/office/drawing/2010/diagram" id="0" name="" descr="Bar chart"/>
@@ -1314,13 +1294,6 @@
         </dgm:presLayoutVars>
       </dgm:prSet>
       <dgm:spPr/>
-      <dgm:t>
-        <a:bodyPr/>
-        <a:lstStyle/>
-        <a:p>
-          <a:endParaRPr lang="en-US"/>
-        </a:p>
-      </dgm:t>
     </dgm:pt>
     <dgm:pt modelId="{B2201FA5-FAB8-4B66-B388-C89FAC42B3AA}" type="pres">
       <dgm:prSet presAssocID="{BDDDF605-9CCE-4558-95B0-1E6CA781A5DA}" presName="txSpace" presStyleCnt="0"/>
@@ -1331,13 +1304,6 @@
         <dgm:presLayoutVars/>
       </dgm:prSet>
       <dgm:spPr/>
-      <dgm:t>
-        <a:bodyPr/>
-        <a:lstStyle/>
-        <a:p>
-          <a:endParaRPr lang="en-US"/>
-        </a:p>
-      </dgm:t>
     </dgm:pt>
     <dgm:pt modelId="{FA954148-FE54-4E40-BB87-154B788DCBA3}" type="pres">
       <dgm:prSet presAssocID="{0F73CBCA-8EA2-46F6-9860-87CAD053CB89}" presName="sibTrans" presStyleCnt="0"/>
@@ -1357,7 +1323,7 @@
                 <a14:useLocalDpi xmlns:a14="http://schemas.microsoft.com/office/drawing/2010/main" val="0"/>
               </a:ext>
               <a:ext uri="{96DAC541-7B7A-43D3-8B79-37D633B846F1}">
-                <asvg:svgBlip xmlns:asvg="http://schemas.microsoft.com/office/drawing/2016/SVG/main" xmlns="" r:embed="rId4"/>
+                <asvg:svgBlip xmlns:asvg="http://schemas.microsoft.com/office/drawing/2016/SVG/main" r:embed="rId4"/>
               </a:ext>
             </a:extLst>
           </a:blip>
@@ -1370,13 +1336,6 @@
           <a:noFill/>
         </a:ln>
       </dgm:spPr>
-      <dgm:t>
-        <a:bodyPr/>
-        <a:lstStyle/>
-        <a:p>
-          <a:endParaRPr lang="en-US"/>
-        </a:p>
-      </dgm:t>
       <dgm:extLst>
         <a:ext uri="{E40237B7-FDA0-4F09-8148-C483321AD2D9}">
           <dgm14:cNvPr xmlns:dgm14="http://schemas.microsoft.com/office/drawing/2010/diagram" id="0" name="" descr="Playbook"/>
@@ -1395,13 +1354,6 @@
         </dgm:presLayoutVars>
       </dgm:prSet>
       <dgm:spPr/>
-      <dgm:t>
-        <a:bodyPr/>
-        <a:lstStyle/>
-        <a:p>
-          <a:endParaRPr lang="en-US"/>
-        </a:p>
-      </dgm:t>
     </dgm:pt>
     <dgm:pt modelId="{00BC935C-51CF-467E-8AC9-7B0F79D05556}" type="pres">
       <dgm:prSet presAssocID="{6ECF9EED-AEFA-41A9-9EFB-B2E867D3E149}" presName="txSpace" presStyleCnt="0"/>
@@ -1412,13 +1364,6 @@
         <dgm:presLayoutVars/>
       </dgm:prSet>
       <dgm:spPr/>
-      <dgm:t>
-        <a:bodyPr/>
-        <a:lstStyle/>
-        <a:p>
-          <a:endParaRPr lang="en-US"/>
-        </a:p>
-      </dgm:t>
     </dgm:pt>
     <dgm:pt modelId="{3BAD62CC-3C03-47DA-8D9B-1491589F490C}" type="pres">
       <dgm:prSet presAssocID="{CA48365F-A0C4-4697-A7C2-3003B4DC1396}" presName="sibTrans" presStyleCnt="0"/>
@@ -1438,7 +1383,7 @@
                 <a14:useLocalDpi xmlns:a14="http://schemas.microsoft.com/office/drawing/2010/main" val="0"/>
               </a:ext>
               <a:ext uri="{96DAC541-7B7A-43D3-8B79-37D633B846F1}">
-                <asvg:svgBlip xmlns:asvg="http://schemas.microsoft.com/office/drawing/2016/SVG/main" xmlns="" r:embed="rId6"/>
+                <asvg:svgBlip xmlns:asvg="http://schemas.microsoft.com/office/drawing/2016/SVG/main" r:embed="rId6"/>
               </a:ext>
             </a:extLst>
           </a:blip>
@@ -1451,13 +1396,6 @@
           <a:noFill/>
         </a:ln>
       </dgm:spPr>
-      <dgm:t>
-        <a:bodyPr/>
-        <a:lstStyle/>
-        <a:p>
-          <a:endParaRPr lang="en-US"/>
-        </a:p>
-      </dgm:t>
       <dgm:extLst>
         <a:ext uri="{E40237B7-FDA0-4F09-8148-C483321AD2D9}">
           <dgm14:cNvPr xmlns:dgm14="http://schemas.microsoft.com/office/drawing/2010/diagram" id="0" name="" descr="Download from cloud"/>
@@ -1476,13 +1414,6 @@
         </dgm:presLayoutVars>
       </dgm:prSet>
       <dgm:spPr/>
-      <dgm:t>
-        <a:bodyPr/>
-        <a:lstStyle/>
-        <a:p>
-          <a:endParaRPr lang="en-US"/>
-        </a:p>
-      </dgm:t>
     </dgm:pt>
     <dgm:pt modelId="{61210853-DB77-417F-9EEE-5832C0D09608}" type="pres">
       <dgm:prSet presAssocID="{B74E439E-678C-4AFC-9A41-8BB3AE3ACFAC}" presName="txSpace" presStyleCnt="0"/>
@@ -1493,13 +1424,6 @@
         <dgm:presLayoutVars/>
       </dgm:prSet>
       <dgm:spPr/>
-      <dgm:t>
-        <a:bodyPr/>
-        <a:lstStyle/>
-        <a:p>
-          <a:endParaRPr lang="en-US"/>
-        </a:p>
-      </dgm:t>
     </dgm:pt>
     <dgm:pt modelId="{EBE9224F-BD69-4130-A069-9E5D5690E08B}" type="pres">
       <dgm:prSet presAssocID="{EE05C962-3E73-496C-8FD5-A1B57941A5A7}" presName="sibTrans" presStyleCnt="0"/>
@@ -1519,7 +1443,7 @@
                 <a14:useLocalDpi xmlns:a14="http://schemas.microsoft.com/office/drawing/2010/main" val="0"/>
               </a:ext>
               <a:ext uri="{96DAC541-7B7A-43D3-8B79-37D633B846F1}">
-                <asvg:svgBlip xmlns:asvg="http://schemas.microsoft.com/office/drawing/2016/SVG/main" xmlns="" r:embed="rId8"/>
+                <asvg:svgBlip xmlns:asvg="http://schemas.microsoft.com/office/drawing/2016/SVG/main" r:embed="rId8"/>
               </a:ext>
             </a:extLst>
           </a:blip>
@@ -1531,13 +1455,6 @@
           <a:noFill/>
         </a:ln>
       </dgm:spPr>
-      <dgm:t>
-        <a:bodyPr/>
-        <a:lstStyle/>
-        <a:p>
-          <a:endParaRPr lang="en-US"/>
-        </a:p>
-      </dgm:t>
       <dgm:extLst>
         <a:ext uri="{E40237B7-FDA0-4F09-8148-C483321AD2D9}">
           <dgm14:cNvPr xmlns:dgm14="http://schemas.microsoft.com/office/drawing/2010/diagram" id="0" name="" descr="Database"/>
@@ -1556,13 +1473,6 @@
         </dgm:presLayoutVars>
       </dgm:prSet>
       <dgm:spPr/>
-      <dgm:t>
-        <a:bodyPr/>
-        <a:lstStyle/>
-        <a:p>
-          <a:endParaRPr lang="en-US"/>
-        </a:p>
-      </dgm:t>
     </dgm:pt>
     <dgm:pt modelId="{75E4D726-F214-4D0B-997A-7E0D313EC4E6}" type="pres">
       <dgm:prSet presAssocID="{33D5E0F8-97B8-444F-935F-4964845ADC22}" presName="txSpace" presStyleCnt="0"/>
@@ -1573,33 +1483,26 @@
         <dgm:presLayoutVars/>
       </dgm:prSet>
       <dgm:spPr/>
-      <dgm:t>
-        <a:bodyPr/>
-        <a:lstStyle/>
-        <a:p>
-          <a:endParaRPr lang="en-US"/>
-        </a:p>
-      </dgm:t>
     </dgm:pt>
   </dgm:ptLst>
   <dgm:cxnLst>
+    <dgm:cxn modelId="{0984060D-8682-46C5-BCAF-3DCCDE28DEEA}" srcId="{33D5E0F8-97B8-444F-935F-4964845ADC22}" destId="{EEEF2013-7C37-4EF6-8971-F14EE2A66F80}" srcOrd="0" destOrd="0" parTransId="{890E1AAF-DE96-45A9-AD1D-E894F4A0B67B}" sibTransId="{7CBB4771-325C-411B-A4F9-3E995D0BC3CE}"/>
+    <dgm:cxn modelId="{28951414-B00E-45A0-ACD3-CD2F30B4228D}" type="presOf" srcId="{33D5E0F8-97B8-444F-935F-4964845ADC22}" destId="{E5DBFD6A-BB14-4E85-B5E8-E716FBDBB965}" srcOrd="0" destOrd="0" presId="urn:microsoft.com/office/officeart/2018/5/layout/CenteredIconLabelDescriptionList"/>
+    <dgm:cxn modelId="{C5B73B15-29BE-401A-B06F-34DAA7B24A53}" srcId="{99A570BA-37D5-46E4-9712-2CB1F9FA92B9}" destId="{6ECF9EED-AEFA-41A9-9EFB-B2E867D3E149}" srcOrd="1" destOrd="0" parTransId="{27605C5E-05B4-4C17-B628-5C7F695CEED8}" sibTransId="{CA48365F-A0C4-4697-A7C2-3003B4DC1396}"/>
+    <dgm:cxn modelId="{BE959B3A-6094-4A6F-BE1B-311DED1C220B}" srcId="{6ECF9EED-AEFA-41A9-9EFB-B2E867D3E149}" destId="{D736043E-A349-4D58-937F-E739BBCF941F}" srcOrd="0" destOrd="0" parTransId="{7DDFF056-93AC-481C-BB2A-4ED7141C82B6}" sibTransId="{66900224-F235-42AF-B1A4-717215BBDB41}"/>
+    <dgm:cxn modelId="{EB6D863D-635F-465E-9341-2C35864327DF}" type="presOf" srcId="{86F8978C-7709-4365-8242-9D41257D04E0}" destId="{AFA726E1-4F66-480C-BE84-73A1067A78AD}" srcOrd="0" destOrd="0" presId="urn:microsoft.com/office/officeart/2018/5/layout/CenteredIconLabelDescriptionList"/>
+    <dgm:cxn modelId="{A6B98540-E7EF-4123-B1EC-9B166DE24947}" type="presOf" srcId="{EEEF2013-7C37-4EF6-8971-F14EE2A66F80}" destId="{1918754C-6196-4949-B264-E1D2D20A3419}" srcOrd="0" destOrd="0" presId="urn:microsoft.com/office/officeart/2018/5/layout/CenteredIconLabelDescriptionList"/>
+    <dgm:cxn modelId="{2F440EAB-FD27-4E6C-B46E-CBC9B3BC4093}" srcId="{BDDDF605-9CCE-4558-95B0-1E6CA781A5DA}" destId="{32E23E9B-0621-472D-A7D0-14691E07DE6C}" srcOrd="0" destOrd="0" parTransId="{B52E9A54-7ED0-42A3-9071-CB1D21F06F82}" sibTransId="{EAC156F5-E0BF-4CA3-9201-97218E9ADEAB}"/>
     <dgm:cxn modelId="{6F20B0AF-55C2-48AB-A7EB-5F9BA0D363F3}" srcId="{99A570BA-37D5-46E4-9712-2CB1F9FA92B9}" destId="{33D5E0F8-97B8-444F-935F-4964845ADC22}" srcOrd="3" destOrd="0" parTransId="{2F13206A-CB8C-4D32-8D7B-0C6AB04069F8}" sibTransId="{D1A7E7D0-D300-447A-ACED-1A97A39C97BF}"/>
-    <dgm:cxn modelId="{0B0049CD-9274-4C65-BE0E-BCA346E430BF}" type="presOf" srcId="{B74E439E-678C-4AFC-9A41-8BB3AE3ACFAC}" destId="{D54565DD-35FC-40EF-BB66-F3642954E07C}" srcOrd="0" destOrd="0" presId="urn:microsoft.com/office/officeart/2018/5/layout/CenteredIconLabelDescriptionList"/>
-    <dgm:cxn modelId="{2F440EAB-FD27-4E6C-B46E-CBC9B3BC4093}" srcId="{BDDDF605-9CCE-4558-95B0-1E6CA781A5DA}" destId="{32E23E9B-0621-472D-A7D0-14691E07DE6C}" srcOrd="0" destOrd="0" parTransId="{B52E9A54-7ED0-42A3-9071-CB1D21F06F82}" sibTransId="{EAC156F5-E0BF-4CA3-9201-97218E9ADEAB}"/>
-    <dgm:cxn modelId="{BE959B3A-6094-4A6F-BE1B-311DED1C220B}" srcId="{6ECF9EED-AEFA-41A9-9EFB-B2E867D3E149}" destId="{D736043E-A349-4D58-937F-E739BBCF941F}" srcOrd="0" destOrd="0" parTransId="{7DDFF056-93AC-481C-BB2A-4ED7141C82B6}" sibTransId="{66900224-F235-42AF-B1A4-717215BBDB41}"/>
-    <dgm:cxn modelId="{E3647EE7-1D0E-48E2-A1B9-FC1F0D491353}" srcId="{99A570BA-37D5-46E4-9712-2CB1F9FA92B9}" destId="{B74E439E-678C-4AFC-9A41-8BB3AE3ACFAC}" srcOrd="2" destOrd="0" parTransId="{284A4A46-A59A-4932-8A5E-9B8282456258}" sibTransId="{EE05C962-3E73-496C-8FD5-A1B57941A5A7}"/>
-    <dgm:cxn modelId="{BDB138F6-8B91-4A59-B7DE-7B3480DA9A13}" type="presOf" srcId="{32E23E9B-0621-472D-A7D0-14691E07DE6C}" destId="{18BB97DC-8A29-4534-B20C-7EFB190ACF90}" srcOrd="0" destOrd="0" presId="urn:microsoft.com/office/officeart/2018/5/layout/CenteredIconLabelDescriptionList"/>
-    <dgm:cxn modelId="{85EE11EF-A01D-42E9-85B3-278B7114FFE5}" srcId="{99A570BA-37D5-46E4-9712-2CB1F9FA92B9}" destId="{BDDDF605-9CCE-4558-95B0-1E6CA781A5DA}" srcOrd="0" destOrd="0" parTransId="{773052EC-D8DD-4EFD-8C89-220E53D2C283}" sibTransId="{0F73CBCA-8EA2-46F6-9860-87CAD053CB89}"/>
-    <dgm:cxn modelId="{28951414-B00E-45A0-ACD3-CD2F30B4228D}" type="presOf" srcId="{33D5E0F8-97B8-444F-935F-4964845ADC22}" destId="{E5DBFD6A-BB14-4E85-B5E8-E716FBDBB965}" srcOrd="0" destOrd="0" presId="urn:microsoft.com/office/officeart/2018/5/layout/CenteredIconLabelDescriptionList"/>
+    <dgm:cxn modelId="{B2BE00B5-AE73-4CE7-AC4E-79801184DA5E}" type="presOf" srcId="{99A570BA-37D5-46E4-9712-2CB1F9FA92B9}" destId="{5D137FFE-5141-404A-BB0B-45E731B6573B}" srcOrd="0" destOrd="0" presId="urn:microsoft.com/office/officeart/2018/5/layout/CenteredIconLabelDescriptionList"/>
     <dgm:cxn modelId="{D46069BD-2F71-4770-BF5F-29CEE96EDBCF}" srcId="{B74E439E-678C-4AFC-9A41-8BB3AE3ACFAC}" destId="{86F8978C-7709-4365-8242-9D41257D04E0}" srcOrd="0" destOrd="0" parTransId="{E74AB7B2-ABC5-4129-AA72-906E6A94B9D3}" sibTransId="{49552688-D967-41C8-A500-B2CF70CF71E6}"/>
     <dgm:cxn modelId="{289F8DC5-0EF2-41F5-B497-5FE4A29C68EF}" type="presOf" srcId="{6ECF9EED-AEFA-41A9-9EFB-B2E867D3E149}" destId="{2D0A6BCA-5BE3-4EAC-9936-A409BA0FAF05}" srcOrd="0" destOrd="0" presId="urn:microsoft.com/office/officeart/2018/5/layout/CenteredIconLabelDescriptionList"/>
+    <dgm:cxn modelId="{0B0049CD-9274-4C65-BE0E-BCA346E430BF}" type="presOf" srcId="{B74E439E-678C-4AFC-9A41-8BB3AE3ACFAC}" destId="{D54565DD-35FC-40EF-BB66-F3642954E07C}" srcOrd="0" destOrd="0" presId="urn:microsoft.com/office/officeart/2018/5/layout/CenteredIconLabelDescriptionList"/>
+    <dgm:cxn modelId="{057791CE-FAD7-46FF-BFE9-AE522DF19AB9}" type="presOf" srcId="{D736043E-A349-4D58-937F-E739BBCF941F}" destId="{3D2195E9-210B-4D51-84A4-877836A05D5F}" srcOrd="0" destOrd="0" presId="urn:microsoft.com/office/officeart/2018/5/layout/CenteredIconLabelDescriptionList"/>
+    <dgm:cxn modelId="{E3647EE7-1D0E-48E2-A1B9-FC1F0D491353}" srcId="{99A570BA-37D5-46E4-9712-2CB1F9FA92B9}" destId="{B74E439E-678C-4AFC-9A41-8BB3AE3ACFAC}" srcOrd="2" destOrd="0" parTransId="{284A4A46-A59A-4932-8A5E-9B8282456258}" sibTransId="{EE05C962-3E73-496C-8FD5-A1B57941A5A7}"/>
     <dgm:cxn modelId="{36AF40EC-7D00-4DBA-8153-F80FB32FEB0D}" type="presOf" srcId="{BDDDF605-9CCE-4558-95B0-1E6CA781A5DA}" destId="{FEBFA108-0B1D-43C7-BA45-A87FA9B1149F}" srcOrd="0" destOrd="0" presId="urn:microsoft.com/office/officeart/2018/5/layout/CenteredIconLabelDescriptionList"/>
-    <dgm:cxn modelId="{EB6D863D-635F-465E-9341-2C35864327DF}" type="presOf" srcId="{86F8978C-7709-4365-8242-9D41257D04E0}" destId="{AFA726E1-4F66-480C-BE84-73A1067A78AD}" srcOrd="0" destOrd="0" presId="urn:microsoft.com/office/officeart/2018/5/layout/CenteredIconLabelDescriptionList"/>
-    <dgm:cxn modelId="{C5B73B15-29BE-401A-B06F-34DAA7B24A53}" srcId="{99A570BA-37D5-46E4-9712-2CB1F9FA92B9}" destId="{6ECF9EED-AEFA-41A9-9EFB-B2E867D3E149}" srcOrd="1" destOrd="0" parTransId="{27605C5E-05B4-4C17-B628-5C7F695CEED8}" sibTransId="{CA48365F-A0C4-4697-A7C2-3003B4DC1396}"/>
-    <dgm:cxn modelId="{0984060D-8682-46C5-BCAF-3DCCDE28DEEA}" srcId="{33D5E0F8-97B8-444F-935F-4964845ADC22}" destId="{EEEF2013-7C37-4EF6-8971-F14EE2A66F80}" srcOrd="0" destOrd="0" parTransId="{890E1AAF-DE96-45A9-AD1D-E894F4A0B67B}" sibTransId="{7CBB4771-325C-411B-A4F9-3E995D0BC3CE}"/>
-    <dgm:cxn modelId="{057791CE-FAD7-46FF-BFE9-AE522DF19AB9}" type="presOf" srcId="{D736043E-A349-4D58-937F-E739BBCF941F}" destId="{3D2195E9-210B-4D51-84A4-877836A05D5F}" srcOrd="0" destOrd="0" presId="urn:microsoft.com/office/officeart/2018/5/layout/CenteredIconLabelDescriptionList"/>
-    <dgm:cxn modelId="{A6B98540-E7EF-4123-B1EC-9B166DE24947}" type="presOf" srcId="{EEEF2013-7C37-4EF6-8971-F14EE2A66F80}" destId="{1918754C-6196-4949-B264-E1D2D20A3419}" srcOrd="0" destOrd="0" presId="urn:microsoft.com/office/officeart/2018/5/layout/CenteredIconLabelDescriptionList"/>
-    <dgm:cxn modelId="{B2BE00B5-AE73-4CE7-AC4E-79801184DA5E}" type="presOf" srcId="{99A570BA-37D5-46E4-9712-2CB1F9FA92B9}" destId="{5D137FFE-5141-404A-BB0B-45E731B6573B}" srcOrd="0" destOrd="0" presId="urn:microsoft.com/office/officeart/2018/5/layout/CenteredIconLabelDescriptionList"/>
+    <dgm:cxn modelId="{85EE11EF-A01D-42E9-85B3-278B7114FFE5}" srcId="{99A570BA-37D5-46E4-9712-2CB1F9FA92B9}" destId="{BDDDF605-9CCE-4558-95B0-1E6CA781A5DA}" srcOrd="0" destOrd="0" parTransId="{773052EC-D8DD-4EFD-8C89-220E53D2C283}" sibTransId="{0F73CBCA-8EA2-46F6-9860-87CAD053CB89}"/>
+    <dgm:cxn modelId="{BDB138F6-8B91-4A59-B7DE-7B3480DA9A13}" type="presOf" srcId="{32E23E9B-0621-472D-A7D0-14691E07DE6C}" destId="{18BB97DC-8A29-4534-B20C-7EFB190ACF90}" srcOrd="0" destOrd="0" presId="urn:microsoft.com/office/officeart/2018/5/layout/CenteredIconLabelDescriptionList"/>
     <dgm:cxn modelId="{2D07477F-9A63-474C-890B-90616F009B6A}" type="presParOf" srcId="{5D137FFE-5141-404A-BB0B-45E731B6573B}" destId="{EEF4FE9D-B14C-45ED-ABA3-FD3186C45BD5}" srcOrd="0" destOrd="0" presId="urn:microsoft.com/office/officeart/2018/5/layout/CenteredIconLabelDescriptionList"/>
     <dgm:cxn modelId="{C33B7E3D-C064-4235-A6FC-ECB7D4F696AB}" type="presParOf" srcId="{EEF4FE9D-B14C-45ED-ABA3-FD3186C45BD5}" destId="{7BD14343-4D55-437A-90B9-40970D773447}" srcOrd="0" destOrd="0" presId="urn:microsoft.com/office/officeart/2018/5/layout/CenteredIconLabelDescriptionList"/>
     <dgm:cxn modelId="{ABF76AAB-64F0-436B-B212-C0012316447E}" type="presParOf" srcId="{EEF4FE9D-B14C-45ED-ABA3-FD3186C45BD5}" destId="{2CE06765-18E4-4A75-8ABF-F244411589BD}" srcOrd="1" destOrd="0" presId="urn:microsoft.com/office/officeart/2018/5/layout/CenteredIconLabelDescriptionList"/>
@@ -1666,7 +1569,7 @@
                 <a14:useLocalDpi xmlns:a14="http://schemas.microsoft.com/office/drawing/2010/main" val="0"/>
               </a:ext>
               <a:ext uri="{96DAC541-7B7A-43D3-8B79-37D633B846F1}">
-                <asvg:svgBlip xmlns:asvg="http://schemas.microsoft.com/office/drawing/2016/SVG/main" xmlns="" r:embed="rId2"/>
+                <asvg:svgBlip xmlns:asvg="http://schemas.microsoft.com/office/drawing/2016/SVG/main" r:embed="rId2"/>
               </a:ext>
             </a:extLst>
           </a:blip>
@@ -1732,7 +1635,7 @@
         </a:bodyPr>
         <a:lstStyle/>
         <a:p>
-          <a:pPr lvl="0" algn="ctr" defTabSz="1066800">
+          <a:pPr marL="0" lvl="0" indent="0" algn="ctr" defTabSz="1066800">
             <a:lnSpc>
               <a:spcPct val="90000"/>
             </a:lnSpc>
@@ -1742,6 +1645,7 @@
             <a:spcAft>
               <a:spcPct val="35000"/>
             </a:spcAft>
+            <a:buNone/>
             <a:defRPr b="1"/>
           </a:pPr>
           <a:r>
@@ -1792,7 +1696,7 @@
         </a:bodyPr>
         <a:lstStyle/>
         <a:p>
-          <a:pPr lvl="0" algn="ctr" defTabSz="755650">
+          <a:pPr marL="0" lvl="0" indent="0" algn="ctr" defTabSz="755650">
             <a:lnSpc>
               <a:spcPct val="90000"/>
             </a:lnSpc>
@@ -1802,6 +1706,7 @@
             <a:spcAft>
               <a:spcPct val="35000"/>
             </a:spcAft>
+            <a:buNone/>
           </a:pPr>
           <a:r>
             <a:rPr lang="en-US" sz="1700" kern="1200" dirty="0"/>
@@ -1834,7 +1739,7 @@
                 <a14:useLocalDpi xmlns:a14="http://schemas.microsoft.com/office/drawing/2010/main" val="0"/>
               </a:ext>
               <a:ext uri="{96DAC541-7B7A-43D3-8B79-37D633B846F1}">
-                <asvg:svgBlip xmlns:asvg="http://schemas.microsoft.com/office/drawing/2016/SVG/main" xmlns="" r:embed="rId4"/>
+                <asvg:svgBlip xmlns:asvg="http://schemas.microsoft.com/office/drawing/2016/SVG/main" r:embed="rId4"/>
               </a:ext>
             </a:extLst>
           </a:blip>
@@ -1900,7 +1805,7 @@
         </a:bodyPr>
         <a:lstStyle/>
         <a:p>
-          <a:pPr lvl="0" algn="ctr" defTabSz="1066800">
+          <a:pPr marL="0" lvl="0" indent="0" algn="ctr" defTabSz="1066800">
             <a:lnSpc>
               <a:spcPct val="90000"/>
             </a:lnSpc>
@@ -1910,6 +1815,7 @@
             <a:spcAft>
               <a:spcPct val="35000"/>
             </a:spcAft>
+            <a:buNone/>
             <a:defRPr b="1"/>
           </a:pPr>
           <a:r>
@@ -1960,7 +1866,7 @@
         </a:bodyPr>
         <a:lstStyle/>
         <a:p>
-          <a:pPr lvl="0" algn="ctr" defTabSz="755650">
+          <a:pPr marL="0" lvl="0" indent="0" algn="ctr" defTabSz="755650">
             <a:lnSpc>
               <a:spcPct val="90000"/>
             </a:lnSpc>
@@ -1970,6 +1876,7 @@
             <a:spcAft>
               <a:spcPct val="35000"/>
             </a:spcAft>
+            <a:buNone/>
           </a:pPr>
           <a:r>
             <a:rPr lang="en-US" sz="1700" kern="1200"/>
@@ -2002,7 +1909,7 @@
                 <a14:useLocalDpi xmlns:a14="http://schemas.microsoft.com/office/drawing/2010/main" val="0"/>
               </a:ext>
               <a:ext uri="{96DAC541-7B7A-43D3-8B79-37D633B846F1}">
-                <asvg:svgBlip xmlns:asvg="http://schemas.microsoft.com/office/drawing/2016/SVG/main" xmlns="" r:embed="rId6"/>
+                <asvg:svgBlip xmlns:asvg="http://schemas.microsoft.com/office/drawing/2016/SVG/main" r:embed="rId6"/>
               </a:ext>
             </a:extLst>
           </a:blip>
@@ -2068,7 +1975,7 @@
         </a:bodyPr>
         <a:lstStyle/>
         <a:p>
-          <a:pPr lvl="0" algn="ctr" defTabSz="1066800">
+          <a:pPr marL="0" lvl="0" indent="0" algn="ctr" defTabSz="1066800">
             <a:lnSpc>
               <a:spcPct val="90000"/>
             </a:lnSpc>
@@ -2078,6 +1985,7 @@
             <a:spcAft>
               <a:spcPct val="35000"/>
             </a:spcAft>
+            <a:buNone/>
             <a:defRPr b="1"/>
           </a:pPr>
           <a:r>
@@ -2128,7 +2036,7 @@
         </a:bodyPr>
         <a:lstStyle/>
         <a:p>
-          <a:pPr lvl="0" algn="ctr" defTabSz="755650">
+          <a:pPr marL="0" lvl="0" indent="0" algn="ctr" defTabSz="755650">
             <a:lnSpc>
               <a:spcPct val="90000"/>
             </a:lnSpc>
@@ -2138,6 +2046,7 @@
             <a:spcAft>
               <a:spcPct val="35000"/>
             </a:spcAft>
+            <a:buNone/>
           </a:pPr>
           <a:r>
             <a:rPr lang="en-US" sz="1700" kern="1200"/>
@@ -2170,7 +2079,7 @@
                 <a14:useLocalDpi xmlns:a14="http://schemas.microsoft.com/office/drawing/2010/main" val="0"/>
               </a:ext>
               <a:ext uri="{96DAC541-7B7A-43D3-8B79-37D633B846F1}">
-                <asvg:svgBlip xmlns:asvg="http://schemas.microsoft.com/office/drawing/2016/SVG/main" xmlns="" r:embed="rId8"/>
+                <asvg:svgBlip xmlns:asvg="http://schemas.microsoft.com/office/drawing/2016/SVG/main" r:embed="rId8"/>
               </a:ext>
             </a:extLst>
           </a:blip>
@@ -2235,7 +2144,7 @@
         </a:bodyPr>
         <a:lstStyle/>
         <a:p>
-          <a:pPr lvl="0" algn="ctr" defTabSz="1066800">
+          <a:pPr marL="0" lvl="0" indent="0" algn="ctr" defTabSz="1066800">
             <a:lnSpc>
               <a:spcPct val="90000"/>
             </a:lnSpc>
@@ -2245,13 +2154,13 @@
             <a:spcAft>
               <a:spcPct val="35000"/>
             </a:spcAft>
+            <a:buNone/>
             <a:defRPr b="1"/>
           </a:pPr>
           <a:r>
-            <a:rPr lang="en-US" sz="2400" kern="1200" dirty="0" smtClean="0"/>
+            <a:rPr lang="en-US" sz="2400" kern="1200" dirty="0"/>
             <a:t>Data</a:t>
           </a:r>
-          <a:endParaRPr lang="en-US" sz="2400" kern="1200" dirty="0"/>
         </a:p>
       </dsp:txBody>
       <dsp:txXfrm>
@@ -2296,7 +2205,7 @@
         </a:bodyPr>
         <a:lstStyle/>
         <a:p>
-          <a:pPr lvl="0" algn="ctr" defTabSz="755650">
+          <a:pPr marL="0" lvl="0" indent="0" algn="ctr" defTabSz="755650">
             <a:lnSpc>
               <a:spcPct val="90000"/>
             </a:lnSpc>
@@ -2306,16 +2215,12 @@
             <a:spcAft>
               <a:spcPct val="35000"/>
             </a:spcAft>
+            <a:buNone/>
           </a:pPr>
           <a:r>
             <a:rPr lang="en-US" sz="1700" kern="1200" dirty="0"/>
-            <a:t>Data storage and </a:t>
+            <a:t>Data storage and retrieval of Relevant Data.</a:t>
           </a:r>
-          <a:r>
-            <a:rPr lang="en-US" sz="1700" kern="1200" dirty="0" smtClean="0"/>
-            <a:t>retrieval of Relevant Data.</a:t>
-          </a:r>
-          <a:endParaRPr lang="en-US" sz="1700" kern="1200" dirty="0"/>
         </a:p>
       </dsp:txBody>
       <dsp:txXfrm>
@@ -2510,7 +2415,7 @@
   </dgm:layoutNode>
   <dgm:extLst>
     <a:ext uri="{68A01E43-0DF5-4B5B-8FA6-DAF915123BFB}">
-      <dgm1612:lstStyle xmlns="" xmlns:dgm1612="http://schemas.microsoft.com/office/drawing/2016/12/diagram">
+      <dgm1612:lstStyle xmlns:dgm1612="http://schemas.microsoft.com/office/drawing/2016/12/diagram">
         <a:lvl1pPr>
           <a:lnSpc>
             <a:spcPct val="100000"/>
@@ -3956,11 +3861,11 @@
           <a:lstStyle/>
           <a:p>
             <a:r>
-              <a:rPr lang="en-US" dirty="0" smtClean="0"/>
+              <a:rPr lang="en-US" dirty="0"/>
               <a:t>An application consists</a:t>
             </a:r>
             <a:r>
-              <a:rPr lang="en-US" baseline="0" dirty="0" smtClean="0"/>
+              <a:rPr lang="en-US" baseline="0" dirty="0"/>
               <a:t> of code + data </a:t>
             </a:r>
             <a:endParaRPr lang="en-US" dirty="0"/>
@@ -8200,10 +8105,9 @@
           <a:lstStyle/>
           <a:p>
             <a:r>
-              <a:rPr lang="en-US" dirty="0" smtClean="0"/>
+              <a:rPr lang="en-US" dirty="0"/>
               <a:t>Service Application Architectures</a:t>
             </a:r>
-            <a:endParaRPr lang="en-US" dirty="0"/>
           </a:p>
         </p:txBody>
       </p:sp>
@@ -8272,10 +8176,9 @@
           <a:lstStyle/>
           <a:p>
             <a:r>
-              <a:rPr lang="en-US" dirty="0" smtClean="0"/>
+              <a:rPr lang="en-US" dirty="0"/>
               <a:t>Example: Monolithic Application</a:t>
             </a:r>
-            <a:endParaRPr lang="en-US" dirty="0"/>
           </a:p>
         </p:txBody>
       </p:sp>
@@ -8300,16 +8203,15 @@
           <a:lstStyle/>
           <a:p>
             <a:r>
-              <a:rPr lang="en-US" dirty="0" smtClean="0"/>
+              <a:rPr lang="en-US" dirty="0"/>
               <a:t>Can two people work on the same PowerPoint file at the same time? No!</a:t>
             </a:r>
           </a:p>
           <a:p>
             <a:r>
-              <a:rPr lang="en-US" dirty="0" smtClean="0"/>
+              <a:rPr lang="en-US" dirty="0"/>
               <a:t>Can everyone in your group edit the same word document at the same time? No!</a:t>
             </a:r>
-            <a:endParaRPr lang="en-US" dirty="0"/>
           </a:p>
         </p:txBody>
       </p:sp>
@@ -8323,13 +8225,6 @@
   <p:clrMapOvr>
     <a:masterClrMapping/>
   </p:clrMapOvr>
-  <p:timing>
-    <p:tnLst>
-      <p:par>
-        <p:cTn id="1" dur="indefinite" restart="never" nodeType="tmRoot"/>
-      </p:par>
-    </p:tnLst>
-  </p:timing>
 </p:sld>
 </file>
 
@@ -8377,20 +8272,8 @@
           <a:lstStyle/>
           <a:p>
             <a:r>
-              <a:rPr lang="en-US" dirty="0" smtClean="0"/>
-              <a:t>Monolithic </a:t>
-            </a:r>
-            <a:r>
               <a:rPr lang="en-US" dirty="0"/>
-              <a:t>over </a:t>
-            </a:r>
-            <a:r>
-              <a:rPr lang="en-US" dirty="0" smtClean="0"/>
-              <a:t>Distributed </a:t>
-            </a:r>
-            <a:r>
-              <a:rPr lang="en-US" dirty="0"/>
-              <a:t>Storage</a:t>
+              <a:t>Monolithic over Distributed Storage</a:t>
             </a:r>
           </a:p>
         </p:txBody>
@@ -8437,13 +8320,8 @@
           <a:p>
             <a:r>
               <a:rPr lang="en-US" dirty="0"/>
-              <a:t>Example: </a:t>
-            </a:r>
-            <a:r>
-              <a:rPr lang="en-US" dirty="0" smtClean="0"/>
-              <a:t>Two people share a word document over Google Drive.</a:t>
-            </a:r>
-            <a:endParaRPr lang="en-US" dirty="0"/>
+              <a:t>Example: Two people share a word document over Google Drive.</a:t>
+            </a:r>
           </a:p>
         </p:txBody>
       </p:sp>
@@ -8539,7 +8417,7 @@
                     <a14:useLocalDpi xmlns:a14="http://schemas.microsoft.com/office/drawing/2010/main" val="0"/>
                   </a:ext>
                   <a:ext uri="{96DAC541-7B7A-43D3-8B79-37D633B846F1}">
-                    <asvg:svgBlip xmlns:asvg="http://schemas.microsoft.com/office/drawing/2016/SVG/main" xmlns="" r:embed="rId4"/>
+                    <asvg:svgBlip xmlns:asvg="http://schemas.microsoft.com/office/drawing/2016/SVG/main" r:embed="rId4"/>
                   </a:ext>
                 </a:extLst>
               </a:blip>
@@ -8685,7 +8563,7 @@
                     <a14:useLocalDpi xmlns:a14="http://schemas.microsoft.com/office/drawing/2010/main" val="0"/>
                   </a:ext>
                   <a:ext uri="{96DAC541-7B7A-43D3-8B79-37D633B846F1}">
-                    <asvg:svgBlip xmlns:asvg="http://schemas.microsoft.com/office/drawing/2016/SVG/main" xmlns="" r:embed="rId6"/>
+                    <asvg:svgBlip xmlns:asvg="http://schemas.microsoft.com/office/drawing/2016/SVG/main" r:embed="rId6"/>
                   </a:ext>
                 </a:extLst>
               </a:blip>
@@ -8935,7 +8813,7 @@
                     <a14:useLocalDpi xmlns:a14="http://schemas.microsoft.com/office/drawing/2010/main" val="0"/>
                   </a:ext>
                   <a:ext uri="{96DAC541-7B7A-43D3-8B79-37D633B846F1}">
-                    <asvg:svgBlip xmlns:asvg="http://schemas.microsoft.com/office/drawing/2016/SVG/main" xmlns="" r:embed="rId8"/>
+                    <asvg:svgBlip xmlns:asvg="http://schemas.microsoft.com/office/drawing/2016/SVG/main" r:embed="rId8"/>
                   </a:ext>
                 </a:extLst>
               </a:blip>
@@ -9081,7 +8959,7 @@
                     <a14:useLocalDpi xmlns:a14="http://schemas.microsoft.com/office/drawing/2010/main" val="0"/>
                   </a:ext>
                   <a:ext uri="{96DAC541-7B7A-43D3-8B79-37D633B846F1}">
-                    <asvg:svgBlip xmlns:asvg="http://schemas.microsoft.com/office/drawing/2016/SVG/main" xmlns="" r:embed="rId10"/>
+                    <asvg:svgBlip xmlns:asvg="http://schemas.microsoft.com/office/drawing/2016/SVG/main" r:embed="rId10"/>
                   </a:ext>
                 </a:extLst>
               </a:blip>
@@ -9337,13 +9215,6 @@
   <p:clrMapOvr>
     <a:masterClrMapping/>
   </p:clrMapOvr>
-  <p:timing>
-    <p:tnLst>
-      <p:par>
-        <p:cTn id="1" dur="indefinite" restart="never" nodeType="tmRoot"/>
-      </p:par>
-    </p:tnLst>
-  </p:timing>
 </p:sld>
 </file>
 
@@ -9380,10 +9251,9 @@
           <a:lstStyle/>
           <a:p>
             <a:r>
-              <a:rPr lang="en-US" dirty="0" smtClean="0"/>
+              <a:rPr lang="en-US" dirty="0"/>
               <a:t>Classic Issue With Monolithic + Storage</a:t>
             </a:r>
-            <a:endParaRPr lang="en-US" dirty="0"/>
           </a:p>
         </p:txBody>
       </p:sp>
@@ -9408,10 +9278,9 @@
           <a:lstStyle/>
           <a:p>
             <a:r>
-              <a:rPr lang="en-US" dirty="0" smtClean="0"/>
+              <a:rPr lang="en-US" dirty="0"/>
               <a:t>Concurrency was not built into the application!</a:t>
             </a:r>
-            <a:endParaRPr lang="en-US" dirty="0"/>
           </a:p>
         </p:txBody>
       </p:sp>
@@ -9505,13 +9374,6 @@
   <p:clrMapOvr>
     <a:masterClrMapping/>
   </p:clrMapOvr>
-  <p:timing>
-    <p:tnLst>
-      <p:par>
-        <p:cTn id="1" dur="indefinite" restart="never" nodeType="tmRoot"/>
-      </p:par>
-    </p:tnLst>
-  </p:timing>
 </p:sld>
 </file>
 
@@ -9673,25 +9535,21 @@
           <a:lstStyle/>
           <a:p>
             <a:r>
-              <a:rPr lang="en-US" sz="2800" dirty="0" smtClean="0"/>
+              <a:rPr lang="en-US" sz="2800" dirty="0"/>
               <a:t>We re-design / program the </a:t>
-            </a:r>
-            <a:br>
-              <a:rPr lang="en-US" sz="2800" dirty="0" smtClean="0"/>
-            </a:br>
-            <a:r>
-              <a:rPr lang="en-US" sz="2800" dirty="0" smtClean="0"/>
-              <a:t>application to support multiple users</a:t>
-            </a:r>
-            <a:r>
-              <a:rPr lang="en-US" sz="2800" dirty="0"/>
-              <a:t/>
             </a:r>
             <a:br>
               <a:rPr lang="en-US" sz="2800" dirty="0"/>
             </a:br>
             <a:r>
-              <a:rPr lang="en-US" sz="2800" dirty="0" smtClean="0"/>
+              <a:rPr lang="en-US" sz="2800" dirty="0"/>
+              <a:t>application to support multiple users</a:t>
+            </a:r>
+            <a:br>
+              <a:rPr lang="en-US" sz="2800" dirty="0"/>
+            </a:br>
+            <a:r>
+              <a:rPr lang="en-US" sz="2800" dirty="0"/>
               <a:t>by breaking up / splitting the layers.</a:t>
             </a:r>
           </a:p>
@@ -9809,7 +9667,7 @@
                       <a14:useLocalDpi xmlns:a14="http://schemas.microsoft.com/office/drawing/2010/main" val="0"/>
                     </a:ext>
                     <a:ext uri="{96DAC541-7B7A-43D3-8B79-37D633B846F1}">
-                      <asvg:svgBlip xmlns:asvg="http://schemas.microsoft.com/office/drawing/2016/SVG/main" xmlns="" r:embed="rId4"/>
+                      <asvg:svgBlip xmlns:asvg="http://schemas.microsoft.com/office/drawing/2016/SVG/main" r:embed="rId4"/>
                     </a:ext>
                   </a:extLst>
                 </a:blip>
@@ -9955,7 +9813,7 @@
                       <a14:useLocalDpi xmlns:a14="http://schemas.microsoft.com/office/drawing/2010/main" val="0"/>
                     </a:ext>
                     <a:ext uri="{96DAC541-7B7A-43D3-8B79-37D633B846F1}">
-                      <asvg:svgBlip xmlns:asvg="http://schemas.microsoft.com/office/drawing/2016/SVG/main" xmlns="" r:embed="rId6"/>
+                      <asvg:svgBlip xmlns:asvg="http://schemas.microsoft.com/office/drawing/2016/SVG/main" r:embed="rId6"/>
                     </a:ext>
                   </a:extLst>
                 </a:blip>
@@ -10101,7 +9959,7 @@
                       <a14:useLocalDpi xmlns:a14="http://schemas.microsoft.com/office/drawing/2010/main" val="0"/>
                     </a:ext>
                     <a:ext uri="{96DAC541-7B7A-43D3-8B79-37D633B846F1}">
-                      <asvg:svgBlip xmlns:asvg="http://schemas.microsoft.com/office/drawing/2016/SVG/main" xmlns="" r:embed="rId8"/>
+                      <asvg:svgBlip xmlns:asvg="http://schemas.microsoft.com/office/drawing/2016/SVG/main" r:embed="rId8"/>
                     </a:ext>
                   </a:extLst>
                 </a:blip>
@@ -10247,7 +10105,7 @@
                       <a14:useLocalDpi xmlns:a14="http://schemas.microsoft.com/office/drawing/2010/main" val="0"/>
                     </a:ext>
                     <a:ext uri="{96DAC541-7B7A-43D3-8B79-37D633B846F1}">
-                      <asvg:svgBlip xmlns:asvg="http://schemas.microsoft.com/office/drawing/2016/SVG/main" xmlns="" r:embed="rId10"/>
+                      <asvg:svgBlip xmlns:asvg="http://schemas.microsoft.com/office/drawing/2016/SVG/main" r:embed="rId10"/>
                     </a:ext>
                   </a:extLst>
                 </a:blip>
@@ -10338,10 +10196,9 @@
                   <a:defRPr b="1"/>
                 </a:pPr>
                 <a:r>
-                  <a:rPr lang="en-US" sz="2100" dirty="0" smtClean="0"/>
+                  <a:rPr lang="en-US" sz="2100" dirty="0"/>
                   <a:t>Data</a:t>
                 </a:r>
-                <a:endParaRPr lang="en-US" sz="2100" dirty="0"/>
               </a:p>
             </p:txBody>
           </p:sp>
@@ -10461,7 +10318,7 @@
                       <a14:useLocalDpi xmlns:a14="http://schemas.microsoft.com/office/drawing/2010/main" val="0"/>
                     </a:ext>
                     <a:ext uri="{96DAC541-7B7A-43D3-8B79-37D633B846F1}">
-                      <asvg:svgBlip xmlns:asvg="http://schemas.microsoft.com/office/drawing/2016/SVG/main" xmlns="" r:embed="rId4"/>
+                      <asvg:svgBlip xmlns:asvg="http://schemas.microsoft.com/office/drawing/2016/SVG/main" r:embed="rId4"/>
                     </a:ext>
                   </a:extLst>
                 </a:blip>
@@ -10607,7 +10464,7 @@
                       <a14:useLocalDpi xmlns:a14="http://schemas.microsoft.com/office/drawing/2010/main" val="0"/>
                     </a:ext>
                     <a:ext uri="{96DAC541-7B7A-43D3-8B79-37D633B846F1}">
-                      <asvg:svgBlip xmlns:asvg="http://schemas.microsoft.com/office/drawing/2016/SVG/main" xmlns="" r:embed="rId6"/>
+                      <asvg:svgBlip xmlns:asvg="http://schemas.microsoft.com/office/drawing/2016/SVG/main" r:embed="rId6"/>
                     </a:ext>
                   </a:extLst>
                 </a:blip>
@@ -10878,7 +10735,7 @@
                       <a14:useLocalDpi xmlns:a14="http://schemas.microsoft.com/office/drawing/2010/main" val="0"/>
                     </a:ext>
                     <a:ext uri="{96DAC541-7B7A-43D3-8B79-37D633B846F1}">
-                      <asvg:svgBlip xmlns:asvg="http://schemas.microsoft.com/office/drawing/2016/SVG/main" xmlns="" r:embed="rId8"/>
+                      <asvg:svgBlip xmlns:asvg="http://schemas.microsoft.com/office/drawing/2016/SVG/main" r:embed="rId8"/>
                     </a:ext>
                   </a:extLst>
                 </a:blip>
@@ -11024,7 +10881,7 @@
                       <a14:useLocalDpi xmlns:a14="http://schemas.microsoft.com/office/drawing/2010/main" val="0"/>
                     </a:ext>
                     <a:ext uri="{96DAC541-7B7A-43D3-8B79-37D633B846F1}">
-                      <asvg:svgBlip xmlns:asvg="http://schemas.microsoft.com/office/drawing/2016/SVG/main" xmlns="" r:embed="rId10"/>
+                      <asvg:svgBlip xmlns:asvg="http://schemas.microsoft.com/office/drawing/2016/SVG/main" r:embed="rId10"/>
                     </a:ext>
                   </a:extLst>
                 </a:blip>
@@ -11115,10 +10972,9 @@
                   <a:defRPr b="1"/>
                 </a:pPr>
                 <a:r>
-                  <a:rPr lang="en-US" sz="2100" dirty="0" smtClean="0"/>
+                  <a:rPr lang="en-US" sz="2100" dirty="0"/>
                   <a:t>Data</a:t>
                 </a:r>
-                <a:endParaRPr lang="en-US" sz="2100" dirty="0"/>
               </a:p>
             </p:txBody>
           </p:sp>
@@ -11369,10 +11225,9 @@
           <a:p>
             <a:pPr algn="ctr"/>
             <a:r>
-              <a:rPr lang="en-US" dirty="0" smtClean="0"/>
+              <a:rPr lang="en-US" dirty="0"/>
               <a:t>Server</a:t>
             </a:r>
-            <a:endParaRPr lang="en-US" dirty="0"/>
           </a:p>
         </p:txBody>
       </p:sp>
@@ -11419,10 +11274,9 @@
           <a:p>
             <a:pPr algn="ctr"/>
             <a:r>
-              <a:rPr lang="en-US" dirty="0" smtClean="0"/>
+              <a:rPr lang="en-US" dirty="0"/>
               <a:t>Monolithic</a:t>
             </a:r>
-            <a:endParaRPr lang="en-US" dirty="0"/>
           </a:p>
         </p:txBody>
       </p:sp>
@@ -11436,13 +11290,6 @@
   <p:clrMapOvr>
     <a:masterClrMapping/>
   </p:clrMapOvr>
-  <p:timing>
-    <p:tnLst>
-      <p:par>
-        <p:cTn id="1" dur="indefinite" restart="never" nodeType="tmRoot"/>
-      </p:par>
-    </p:tnLst>
-  </p:timing>
 </p:sld>
 </file>
 
@@ -11479,10 +11326,9 @@
           <a:lstStyle/>
           <a:p>
             <a:r>
-              <a:rPr lang="en-US" dirty="0" smtClean="0"/>
+              <a:rPr lang="en-US" dirty="0"/>
               <a:t>Breaking Up Is Hard To Do!</a:t>
             </a:r>
-            <a:endParaRPr lang="en-US" dirty="0"/>
           </a:p>
         </p:txBody>
       </p:sp>
@@ -11502,10 +11348,9 @@
           <a:lstStyle/>
           <a:p>
             <a:r>
-              <a:rPr lang="en-US" dirty="0" smtClean="0"/>
+              <a:rPr lang="en-US" dirty="0"/>
               <a:t>When you separate an application into parts and run them separately they now require a way to communicate with each other! </a:t>
             </a:r>
-            <a:endParaRPr lang="en-US" dirty="0"/>
           </a:p>
         </p:txBody>
       </p:sp>
@@ -11713,7 +11558,7 @@
                       <a14:useLocalDpi xmlns:a14="http://schemas.microsoft.com/office/drawing/2010/main" val="0"/>
                     </a:ext>
                     <a:ext uri="{96DAC541-7B7A-43D3-8B79-37D633B846F1}">
-                      <asvg:svgBlip xmlns:asvg="http://schemas.microsoft.com/office/drawing/2016/SVG/main" xmlns="" r:embed="rId4"/>
+                      <asvg:svgBlip xmlns:asvg="http://schemas.microsoft.com/office/drawing/2016/SVG/main" r:embed="rId3"/>
                     </a:ext>
                   </a:extLst>
                 </a:blip>
@@ -11853,13 +11698,13 @@
                 <a:avLst/>
               </a:prstGeom>
               <a:blipFill>
-                <a:blip r:embed="rId5" cstate="hqprint">
+                <a:blip r:embed="rId4" cstate="hqprint">
                   <a:extLst>
                     <a:ext uri="{28A0092B-C50C-407E-A947-70E740481C1C}">
                       <a14:useLocalDpi xmlns:a14="http://schemas.microsoft.com/office/drawing/2010/main" val="0"/>
                     </a:ext>
                     <a:ext uri="{96DAC541-7B7A-43D3-8B79-37D633B846F1}">
-                      <asvg:svgBlip xmlns:asvg="http://schemas.microsoft.com/office/drawing/2016/SVG/main" xmlns="" r:embed="rId6"/>
+                      <asvg:svgBlip xmlns:asvg="http://schemas.microsoft.com/office/drawing/2016/SVG/main" r:embed="rId5"/>
                     </a:ext>
                   </a:extLst>
                 </a:blip>
@@ -12124,13 +11969,13 @@
                 <a:avLst/>
               </a:prstGeom>
               <a:blipFill>
-                <a:blip r:embed="rId7" cstate="hqprint">
+                <a:blip r:embed="rId6" cstate="hqprint">
                   <a:extLst>
                     <a:ext uri="{28A0092B-C50C-407E-A947-70E740481C1C}">
                       <a14:useLocalDpi xmlns:a14="http://schemas.microsoft.com/office/drawing/2010/main" val="0"/>
                     </a:ext>
                     <a:ext uri="{96DAC541-7B7A-43D3-8B79-37D633B846F1}">
-                      <asvg:svgBlip xmlns:asvg="http://schemas.microsoft.com/office/drawing/2016/SVG/main" xmlns="" r:embed="rId8"/>
+                      <asvg:svgBlip xmlns:asvg="http://schemas.microsoft.com/office/drawing/2016/SVG/main" r:embed="rId7"/>
                     </a:ext>
                   </a:extLst>
                 </a:blip>
@@ -12270,13 +12115,13 @@
                 <a:avLst/>
               </a:prstGeom>
               <a:blipFill>
-                <a:blip r:embed="rId9">
+                <a:blip r:embed="rId8">
                   <a:extLst>
                     <a:ext uri="{28A0092B-C50C-407E-A947-70E740481C1C}">
                       <a14:useLocalDpi xmlns:a14="http://schemas.microsoft.com/office/drawing/2010/main" val="0"/>
                     </a:ext>
                     <a:ext uri="{96DAC541-7B7A-43D3-8B79-37D633B846F1}">
-                      <asvg:svgBlip xmlns:asvg="http://schemas.microsoft.com/office/drawing/2016/SVG/main" xmlns="" r:embed="rId10"/>
+                      <asvg:svgBlip xmlns:asvg="http://schemas.microsoft.com/office/drawing/2016/SVG/main" r:embed="rId9"/>
                     </a:ext>
                   </a:extLst>
                 </a:blip>
@@ -12367,10 +12212,9 @@
                   <a:defRPr b="1"/>
                 </a:pPr>
                 <a:r>
-                  <a:rPr lang="en-US" sz="2100" dirty="0" smtClean="0"/>
+                  <a:rPr lang="en-US" sz="2100" dirty="0"/>
                   <a:t>Data</a:t>
                 </a:r>
-                <a:endParaRPr lang="en-US" sz="2100" dirty="0"/>
               </a:p>
             </p:txBody>
           </p:sp>
@@ -12468,10 +12312,9 @@
           <a:p>
             <a:pPr algn="ctr"/>
             <a:r>
-              <a:rPr lang="en-US" dirty="0" smtClean="0"/>
+              <a:rPr lang="en-US" dirty="0"/>
               <a:t>Server</a:t>
             </a:r>
-            <a:endParaRPr lang="en-US" dirty="0"/>
           </a:p>
         </p:txBody>
       </p:sp>
@@ -12578,17 +12421,16 @@
           <a:lstStyle/>
           <a:p>
             <a:r>
-              <a:rPr lang="en-US" sz="2000" dirty="0" smtClean="0"/>
+              <a:rPr lang="en-US" sz="2000" dirty="0"/>
               <a:t>“Hey Data Access Layer, I would like</a:t>
             </a:r>
             <a:br>
-              <a:rPr lang="en-US" sz="2000" dirty="0" smtClean="0"/>
+              <a:rPr lang="en-US" sz="2000" dirty="0"/>
             </a:br>
             <a:r>
-              <a:rPr lang="en-US" sz="2000" dirty="0" smtClean="0"/>
+              <a:rPr lang="en-US" sz="2000" dirty="0"/>
               <a:t>you to save this new order for me.”</a:t>
             </a:r>
-            <a:endParaRPr lang="en-US" sz="2000" dirty="0"/>
           </a:p>
         </p:txBody>
       </p:sp>
@@ -12615,17 +12457,16 @@
           <a:lstStyle/>
           <a:p>
             <a:r>
-              <a:rPr lang="en-US" sz="2000" dirty="0" smtClean="0"/>
+              <a:rPr lang="en-US" sz="2000" dirty="0"/>
               <a:t>“Okay, business Logic. I saved it </a:t>
             </a:r>
             <a:br>
-              <a:rPr lang="en-US" sz="2000" dirty="0" smtClean="0"/>
+              <a:rPr lang="en-US" sz="2000" dirty="0"/>
             </a:br>
             <a:r>
-              <a:rPr lang="en-US" sz="2000" dirty="0" smtClean="0"/>
+              <a:rPr lang="en-US" sz="2000" dirty="0"/>
               <a:t>for you the order ID is 909242”</a:t>
             </a:r>
-            <a:endParaRPr lang="en-US" sz="2000" dirty="0"/>
           </a:p>
         </p:txBody>
       </p:sp>
@@ -12652,10 +12493,9 @@
           <a:lstStyle/>
           <a:p>
             <a:r>
-              <a:rPr lang="en-US" sz="2000" b="1" i="1" dirty="0" smtClean="0"/>
+              <a:rPr lang="en-US" sz="2000" b="1" i="1" dirty="0"/>
               <a:t>Middleware</a:t>
             </a:r>
-            <a:endParaRPr lang="en-US" sz="2000" b="1" i="1" dirty="0"/>
           </a:p>
         </p:txBody>
       </p:sp>
@@ -12669,13 +12509,6 @@
   <p:clrMapOvr>
     <a:masterClrMapping/>
   </p:clrMapOvr>
-  <p:timing>
-    <p:tnLst>
-      <p:par>
-        <p:cTn id="1" dur="indefinite" restart="never" nodeType="tmRoot"/>
-      </p:par>
-    </p:tnLst>
-  </p:timing>
 </p:sld>
 </file>
 
@@ -12747,15 +12580,7 @@
           <a:p>
             <a:r>
               <a:rPr lang="en-US" dirty="0"/>
-              <a:t>Middleware is software which </a:t>
-            </a:r>
-            <a:r>
-              <a:rPr lang="en-US" dirty="0" smtClean="0"/>
-              <a:t>provides inter-process  </a:t>
-            </a:r>
-            <a:r>
-              <a:rPr lang="en-US" dirty="0"/>
-              <a:t>communications between the layers of an application.</a:t>
+              <a:t>Middleware is software which provides inter-process  communications between the layers of an application.</a:t>
             </a:r>
           </a:p>
           <a:p>
@@ -12788,13 +12613,6 @@
   <p:clrMapOvr>
     <a:masterClrMapping/>
   </p:clrMapOvr>
-  <p:timing>
-    <p:tnLst>
-      <p:par>
-        <p:cTn id="1" dur="indefinite" restart="never" nodeType="tmRoot"/>
-      </p:par>
-    </p:tnLst>
-  </p:timing>
 </p:sld>
 </file>
 
@@ -13102,13 +12920,6 @@
   <p:clrMapOvr>
     <a:masterClrMapping/>
   </p:clrMapOvr>
-  <p:timing>
-    <p:tnLst>
-      <p:par>
-        <p:cTn id="1" dur="indefinite" restart="never" nodeType="tmRoot"/>
-      </p:par>
-    </p:tnLst>
-  </p:timing>
 </p:sld>
 </file>
 
@@ -13187,37 +12998,20 @@
           <a:p>
             <a:r>
               <a:rPr lang="en-US" dirty="0"/>
-              <a:t>In 2 Tier client/server the application is </a:t>
-            </a:r>
-            <a:r>
-              <a:rPr lang="en-US" dirty="0" smtClean="0"/>
-              <a:t>split in </a:t>
-            </a:r>
+              <a:t>In 2 Tier client/server the application is split in two parts separated by one layer of middleware.</a:t>
+            </a:r>
+          </a:p>
+          <a:p>
             <a:r>
               <a:rPr lang="en-US" dirty="0"/>
-              <a:t>two parts separated by one layer of middleware.</a:t>
-            </a:r>
-          </a:p>
-          <a:p>
-            <a:r>
-              <a:rPr lang="en-US" dirty="0" smtClean="0"/>
-              <a:t>This makes the application multi-user and multi-Site</a:t>
-            </a:r>
+              <a:t>This makes the application multi-user and multi-Site.</a:t>
+            </a:r>
+          </a:p>
+          <a:p>
             <a:r>
               <a:rPr lang="en-US" dirty="0"/>
-              <a:t>.</a:t>
-            </a:r>
-          </a:p>
-          <a:p>
-            <a:r>
-              <a:rPr lang="en-US" dirty="0"/>
-              <a:t>Common architecture in the pre-consumer Internet </a:t>
-            </a:r>
-            <a:r>
-              <a:rPr lang="en-US" dirty="0" smtClean="0"/>
-              <a:t>era of the 90’s.</a:t>
-            </a:r>
-            <a:endParaRPr lang="en-US" dirty="0"/>
+              <a:t>Common architecture in the pre-consumer Internet era of the 90’s.</a:t>
+            </a:r>
           </a:p>
         </p:txBody>
       </p:sp>
@@ -13398,7 +13192,7 @@
                       <a14:useLocalDpi xmlns:a14="http://schemas.microsoft.com/office/drawing/2010/main" val="0"/>
                     </a:ext>
                     <a:ext uri="{96DAC541-7B7A-43D3-8B79-37D633B846F1}">
-                      <asvg:svgBlip xmlns:asvg="http://schemas.microsoft.com/office/drawing/2016/SVG/main" xmlns="" r:embed="rId3"/>
+                      <asvg:svgBlip xmlns:asvg="http://schemas.microsoft.com/office/drawing/2016/SVG/main" r:embed="rId3"/>
                     </a:ext>
                   </a:extLst>
                 </a:blip>
@@ -13544,7 +13338,7 @@
                       <a14:useLocalDpi xmlns:a14="http://schemas.microsoft.com/office/drawing/2010/main" val="0"/>
                     </a:ext>
                     <a:ext uri="{96DAC541-7B7A-43D3-8B79-37D633B846F1}">
-                      <asvg:svgBlip xmlns:asvg="http://schemas.microsoft.com/office/drawing/2016/SVG/main" xmlns="" r:embed="rId5"/>
+                      <asvg:svgBlip xmlns:asvg="http://schemas.microsoft.com/office/drawing/2016/SVG/main" r:embed="rId5"/>
                     </a:ext>
                   </a:extLst>
                 </a:blip>
@@ -13750,7 +13544,7 @@
                       <a14:useLocalDpi xmlns:a14="http://schemas.microsoft.com/office/drawing/2010/main" val="0"/>
                     </a:ext>
                     <a:ext uri="{96DAC541-7B7A-43D3-8B79-37D633B846F1}">
-                      <asvg:svgBlip xmlns:asvg="http://schemas.microsoft.com/office/drawing/2016/SVG/main" xmlns="" r:embed="rId7"/>
+                      <asvg:svgBlip xmlns:asvg="http://schemas.microsoft.com/office/drawing/2016/SVG/main" r:embed="rId7"/>
                     </a:ext>
                   </a:extLst>
                 </a:blip>
@@ -13896,7 +13690,7 @@
                       <a14:useLocalDpi xmlns:a14="http://schemas.microsoft.com/office/drawing/2010/main" val="0"/>
                     </a:ext>
                     <a:ext uri="{96DAC541-7B7A-43D3-8B79-37D633B846F1}">
-                      <asvg:svgBlip xmlns:asvg="http://schemas.microsoft.com/office/drawing/2016/SVG/main" xmlns="" r:embed="rId9"/>
+                      <asvg:svgBlip xmlns:asvg="http://schemas.microsoft.com/office/drawing/2016/SVG/main" r:embed="rId9"/>
                     </a:ext>
                   </a:extLst>
                 </a:blip>
@@ -13987,10 +13781,9 @@
                   <a:defRPr b="1"/>
                 </a:pPr>
                 <a:r>
-                  <a:rPr lang="en-US" sz="2100" dirty="0" smtClean="0"/>
+                  <a:rPr lang="en-US" sz="2100" dirty="0"/>
                   <a:t>Data</a:t>
                 </a:r>
-                <a:endParaRPr lang="en-US" sz="2100" dirty="0"/>
               </a:p>
             </p:txBody>
           </p:sp>
@@ -14194,10 +13987,9 @@
           <a:p>
             <a:pPr algn="ctr"/>
             <a:r>
-              <a:rPr lang="en-US" dirty="0" smtClean="0"/>
+              <a:rPr lang="en-US" dirty="0"/>
               <a:t>Server</a:t>
             </a:r>
-            <a:endParaRPr lang="en-US" dirty="0"/>
           </a:p>
         </p:txBody>
       </p:sp>
@@ -14211,13 +14003,6 @@
   <p:clrMapOvr>
     <a:masterClrMapping/>
   </p:clrMapOvr>
-  <p:timing>
-    <p:tnLst>
-      <p:par>
-        <p:cTn id="1" dur="indefinite" restart="never" nodeType="tmRoot"/>
-      </p:par>
-    </p:tnLst>
-  </p:timing>
 </p:sld>
 </file>
 
@@ -14330,7 +14115,7 @@
                     <a14:useLocalDpi xmlns:a14="http://schemas.microsoft.com/office/drawing/2010/main" val="0"/>
                   </a:ext>
                   <a:ext uri="{96DAC541-7B7A-43D3-8B79-37D633B846F1}">
-                    <asvg:svgBlip xmlns:asvg="http://schemas.microsoft.com/office/drawing/2016/SVG/main" xmlns="" r:embed="rId4"/>
+                    <asvg:svgBlip xmlns:asvg="http://schemas.microsoft.com/office/drawing/2016/SVG/main" r:embed="rId4"/>
                   </a:ext>
                 </a:extLst>
               </a:blip>
@@ -14476,7 +14261,7 @@
                     <a14:useLocalDpi xmlns:a14="http://schemas.microsoft.com/office/drawing/2010/main" val="0"/>
                   </a:ext>
                   <a:ext uri="{96DAC541-7B7A-43D3-8B79-37D633B846F1}">
-                    <asvg:svgBlip xmlns:asvg="http://schemas.microsoft.com/office/drawing/2016/SVG/main" xmlns="" r:embed="rId6"/>
+                    <asvg:svgBlip xmlns:asvg="http://schemas.microsoft.com/office/drawing/2016/SVG/main" r:embed="rId6"/>
                   </a:ext>
                 </a:extLst>
               </a:blip>
@@ -14567,10 +14352,9 @@
                 <a:defRPr b="1"/>
               </a:pPr>
               <a:r>
-                <a:rPr lang="en-US" sz="2100" dirty="0" smtClean="0"/>
+                <a:rPr lang="en-US" sz="2100" dirty="0"/>
                 <a:t>Data</a:t>
               </a:r>
-              <a:endParaRPr lang="en-US" sz="2100" dirty="0"/>
             </a:p>
           </p:txBody>
         </p:sp>
@@ -14765,7 +14549,7 @@
                     <a14:useLocalDpi xmlns:a14="http://schemas.microsoft.com/office/drawing/2010/main" val="0"/>
                   </a:ext>
                   <a:ext uri="{96DAC541-7B7A-43D3-8B79-37D633B846F1}">
-                    <asvg:svgBlip xmlns:asvg="http://schemas.microsoft.com/office/drawing/2016/SVG/main" xmlns="" r:embed="rId8"/>
+                    <asvg:svgBlip xmlns:asvg="http://schemas.microsoft.com/office/drawing/2016/SVG/main" r:embed="rId8"/>
                   </a:ext>
                 </a:extLst>
               </a:blip>
@@ -14911,7 +14695,7 @@
                     <a14:useLocalDpi xmlns:a14="http://schemas.microsoft.com/office/drawing/2010/main" val="0"/>
                   </a:ext>
                   <a:ext uri="{96DAC541-7B7A-43D3-8B79-37D633B846F1}">
-                    <asvg:svgBlip xmlns:asvg="http://schemas.microsoft.com/office/drawing/2016/SVG/main" xmlns="" r:embed="rId10"/>
+                    <asvg:svgBlip xmlns:asvg="http://schemas.microsoft.com/office/drawing/2016/SVG/main" r:embed="rId10"/>
                   </a:ext>
                 </a:extLst>
               </a:blip>
@@ -15161,7 +14945,7 @@
                     <a14:useLocalDpi xmlns:a14="http://schemas.microsoft.com/office/drawing/2010/main" val="0"/>
                   </a:ext>
                   <a:ext uri="{96DAC541-7B7A-43D3-8B79-37D633B846F1}">
-                    <asvg:svgBlip xmlns:asvg="http://schemas.microsoft.com/office/drawing/2016/SVG/main" xmlns="" r:embed="rId4"/>
+                    <asvg:svgBlip xmlns:asvg="http://schemas.microsoft.com/office/drawing/2016/SVG/main" r:embed="rId4"/>
                   </a:ext>
                 </a:extLst>
               </a:blip>
@@ -15307,7 +15091,7 @@
                     <a14:useLocalDpi xmlns:a14="http://schemas.microsoft.com/office/drawing/2010/main" val="0"/>
                   </a:ext>
                   <a:ext uri="{96DAC541-7B7A-43D3-8B79-37D633B846F1}">
-                    <asvg:svgBlip xmlns:asvg="http://schemas.microsoft.com/office/drawing/2016/SVG/main" xmlns="" r:embed="rId6"/>
+                    <asvg:svgBlip xmlns:asvg="http://schemas.microsoft.com/office/drawing/2016/SVG/main" r:embed="rId6"/>
                   </a:ext>
                 </a:extLst>
               </a:blip>
@@ -15398,10 +15182,9 @@
                 <a:defRPr b="1"/>
               </a:pPr>
               <a:r>
-                <a:rPr lang="en-US" sz="2100" dirty="0" smtClean="0"/>
+                <a:rPr lang="en-US" sz="2100" dirty="0"/>
                 <a:t>Data</a:t>
               </a:r>
-              <a:endParaRPr lang="en-US" sz="2100" dirty="0"/>
             </a:p>
           </p:txBody>
         </p:sp>
@@ -15584,7 +15367,7 @@
                     <a14:useLocalDpi xmlns:a14="http://schemas.microsoft.com/office/drawing/2010/main" val="0"/>
                   </a:ext>
                   <a:ext uri="{96DAC541-7B7A-43D3-8B79-37D633B846F1}">
-                    <asvg:svgBlip xmlns:asvg="http://schemas.microsoft.com/office/drawing/2016/SVG/main" xmlns="" r:embed="rId8"/>
+                    <asvg:svgBlip xmlns:asvg="http://schemas.microsoft.com/office/drawing/2016/SVG/main" r:embed="rId8"/>
                   </a:ext>
                 </a:extLst>
               </a:blip>
@@ -15730,7 +15513,7 @@
                     <a14:useLocalDpi xmlns:a14="http://schemas.microsoft.com/office/drawing/2010/main" val="0"/>
                   </a:ext>
                   <a:ext uri="{96DAC541-7B7A-43D3-8B79-37D633B846F1}">
-                    <asvg:svgBlip xmlns:asvg="http://schemas.microsoft.com/office/drawing/2016/SVG/main" xmlns="" r:embed="rId10"/>
+                    <asvg:svgBlip xmlns:asvg="http://schemas.microsoft.com/office/drawing/2016/SVG/main" r:embed="rId10"/>
                   </a:ext>
                 </a:extLst>
               </a:blip>
@@ -16180,13 +15963,6 @@
   <p:clrMapOvr>
     <a:masterClrMapping/>
   </p:clrMapOvr>
-  <p:timing>
-    <p:tnLst>
-      <p:par>
-        <p:cTn id="1" dur="indefinite" restart="never" nodeType="tmRoot"/>
-      </p:par>
-    </p:tnLst>
-  </p:timing>
 </p:sld>
 </file>
 
@@ -16223,10 +15999,9 @@
           <a:lstStyle/>
           <a:p>
             <a:r>
-              <a:rPr lang="en-US" dirty="0" smtClean="0"/>
+              <a:rPr lang="en-US" dirty="0"/>
               <a:t>Thin-Client, Fat-Client examples</a:t>
             </a:r>
-            <a:endParaRPr lang="en-US" dirty="0"/>
           </a:p>
         </p:txBody>
       </p:sp>
@@ -16246,7 +16021,7 @@
           <a:lstStyle/>
           <a:p>
             <a:r>
-              <a:rPr lang="en-US" dirty="0" smtClean="0"/>
+              <a:rPr lang="en-US" dirty="0"/>
               <a:t>Fat Clients:</a:t>
             </a:r>
           </a:p>
@@ -16260,25 +16035,25 @@
           <a:p>
             <a:pPr lvl="1"/>
             <a:r>
-              <a:rPr lang="en-US" dirty="0" smtClean="0"/>
+              <a:rPr lang="en-US" dirty="0"/>
               <a:t>Playing a game like Madden or </a:t>
             </a:r>
             <a:r>
-              <a:rPr lang="en-US" dirty="0" err="1" smtClean="0"/>
+              <a:rPr lang="en-US" dirty="0" err="1"/>
               <a:t>Fortnite</a:t>
             </a:r>
-            <a:endParaRPr lang="en-US" dirty="0" smtClean="0"/>
+            <a:endParaRPr lang="en-US" dirty="0"/>
           </a:p>
           <a:p>
             <a:pPr lvl="1"/>
             <a:r>
-              <a:rPr lang="en-US" dirty="0" smtClean="0"/>
+              <a:rPr lang="en-US" dirty="0"/>
               <a:t>Microsoft Outlook for Email </a:t>
             </a:r>
           </a:p>
           <a:p>
             <a:r>
-              <a:rPr lang="en-US" dirty="0" smtClean="0"/>
+              <a:rPr lang="en-US" dirty="0"/>
               <a:t>Thin Clients:</a:t>
             </a:r>
           </a:p>
@@ -16292,14 +16067,14 @@
           <a:p>
             <a:pPr lvl="1"/>
             <a:r>
-              <a:rPr lang="en-US" dirty="0" smtClean="0"/>
+              <a:rPr lang="en-US" dirty="0"/>
               <a:t>Playing a game in your Web Browser</a:t>
             </a:r>
           </a:p>
           <a:p>
             <a:pPr lvl="1"/>
             <a:r>
-              <a:rPr lang="en-US" dirty="0" smtClean="0"/>
+              <a:rPr lang="en-US" dirty="0"/>
               <a:t>Gmail or Yahoo Mail</a:t>
             </a:r>
           </a:p>
@@ -16319,13 +16094,6 @@
   <p:clrMapOvr>
     <a:masterClrMapping/>
   </p:clrMapOvr>
-  <p:timing>
-    <p:tnLst>
-      <p:par>
-        <p:cTn id="1" dur="indefinite" restart="never" nodeType="tmRoot"/>
-      </p:par>
-    </p:tnLst>
-  </p:timing>
 </p:sld>
 </file>
 
@@ -16362,10 +16130,9 @@
           <a:lstStyle/>
           <a:p>
             <a:r>
-              <a:rPr lang="en-US" dirty="0" smtClean="0"/>
+              <a:rPr lang="en-US" dirty="0"/>
               <a:t>What do we mean by Service?</a:t>
             </a:r>
-            <a:endParaRPr lang="en-US" dirty="0"/>
           </a:p>
         </p:txBody>
       </p:sp>
@@ -16387,62 +16154,62 @@
           <a:lstStyle/>
           <a:p>
             <a:r>
-              <a:rPr lang="en-US" dirty="0" smtClean="0"/>
+              <a:rPr lang="en-US" dirty="0"/>
               <a:t>A </a:t>
             </a:r>
             <a:r>
-              <a:rPr lang="en-US" b="1" dirty="0" smtClean="0"/>
+              <a:rPr lang="en-US" b="1" dirty="0"/>
               <a:t>Service</a:t>
             </a:r>
             <a:r>
-              <a:rPr lang="en-US" dirty="0" smtClean="0"/>
+              <a:rPr lang="en-US" dirty="0"/>
               <a:t> is a running application or process accessible by users and other applications.</a:t>
             </a:r>
           </a:p>
           <a:p>
             <a:r>
-              <a:rPr lang="en-US" dirty="0" smtClean="0"/>
+              <a:rPr lang="en-US" dirty="0"/>
               <a:t>Email is an example of a </a:t>
             </a:r>
             <a:r>
-              <a:rPr lang="en-US" b="1" dirty="0" smtClean="0"/>
+              <a:rPr lang="en-US" b="1" dirty="0"/>
               <a:t>Service Application</a:t>
             </a:r>
             <a:r>
-              <a:rPr lang="en-US" dirty="0" smtClean="0"/>
+              <a:rPr lang="en-US" dirty="0"/>
               <a:t>.</a:t>
             </a:r>
           </a:p>
           <a:p>
             <a:r>
-              <a:rPr lang="en-US" dirty="0" smtClean="0"/>
+              <a:rPr lang="en-US" dirty="0"/>
               <a:t>Most services are complex, consisting of multiple dependent services.</a:t>
             </a:r>
           </a:p>
           <a:p>
             <a:r>
-              <a:rPr lang="en-US" dirty="0" smtClean="0"/>
+              <a:rPr lang="en-US" dirty="0"/>
               <a:t>For example to offer a web-based Email service application like Gmail you need these dependent services at minimum:</a:t>
             </a:r>
           </a:p>
           <a:p>
             <a:pPr lvl="1"/>
             <a:r>
-              <a:rPr lang="en-US" dirty="0" smtClean="0"/>
+              <a:rPr lang="en-US" dirty="0"/>
               <a:t>Web server (HTTP)</a:t>
             </a:r>
           </a:p>
           <a:p>
             <a:pPr lvl="1"/>
             <a:r>
-              <a:rPr lang="en-US" dirty="0" smtClean="0"/>
+              <a:rPr lang="en-US" dirty="0"/>
               <a:t>Message transfer agent (SMTP)</a:t>
             </a:r>
           </a:p>
           <a:p>
             <a:pPr lvl="1"/>
             <a:r>
-              <a:rPr lang="en-US" dirty="0" smtClean="0"/>
+              <a:rPr lang="en-US" dirty="0"/>
               <a:t>Message Store (IMAP)</a:t>
             </a:r>
           </a:p>
@@ -16551,10 +16318,9 @@
           </a:p>
           <a:p>
             <a:r>
-              <a:rPr lang="en-US" dirty="0" smtClean="0"/>
+              <a:rPr lang="en-US" dirty="0"/>
               <a:t>Scales Vertically better than 2-tier</a:t>
             </a:r>
-            <a:endParaRPr lang="en-US" dirty="0"/>
           </a:p>
           <a:p>
             <a:r>
@@ -16565,15 +16331,7 @@
           <a:p>
             <a:r>
               <a:rPr lang="en-US" dirty="0"/>
-              <a:t>Common architecture </a:t>
-            </a:r>
-            <a:r>
-              <a:rPr lang="en-US" dirty="0" smtClean="0"/>
-              <a:t>during the Internet </a:t>
-            </a:r>
-            <a:r>
-              <a:rPr lang="en-US" dirty="0"/>
-              <a:t>boom.</a:t>
+              <a:t>Common architecture during the Internet boom.</a:t>
             </a:r>
           </a:p>
           <a:p>
@@ -16673,7 +16431,7 @@
                     <a14:useLocalDpi xmlns:a14="http://schemas.microsoft.com/office/drawing/2010/main" val="0"/>
                   </a:ext>
                   <a:ext uri="{96DAC541-7B7A-43D3-8B79-37D633B846F1}">
-                    <asvg:svgBlip xmlns:asvg="http://schemas.microsoft.com/office/drawing/2016/SVG/main" xmlns="" r:embed="rId4"/>
+                    <asvg:svgBlip xmlns:asvg="http://schemas.microsoft.com/office/drawing/2016/SVG/main" r:embed="rId4"/>
                   </a:ext>
                 </a:extLst>
               </a:blip>
@@ -16923,7 +16681,7 @@
                     <a14:useLocalDpi xmlns:a14="http://schemas.microsoft.com/office/drawing/2010/main" val="0"/>
                   </a:ext>
                   <a:ext uri="{96DAC541-7B7A-43D3-8B79-37D633B846F1}">
-                    <asvg:svgBlip xmlns:asvg="http://schemas.microsoft.com/office/drawing/2016/SVG/main" xmlns="" r:embed="rId6"/>
+                    <asvg:svgBlip xmlns:asvg="http://schemas.microsoft.com/office/drawing/2016/SVG/main" r:embed="rId6"/>
                   </a:ext>
                 </a:extLst>
               </a:blip>
@@ -17069,7 +16827,7 @@
                     <a14:useLocalDpi xmlns:a14="http://schemas.microsoft.com/office/drawing/2010/main" val="0"/>
                   </a:ext>
                   <a:ext uri="{96DAC541-7B7A-43D3-8B79-37D633B846F1}">
-                    <asvg:svgBlip xmlns:asvg="http://schemas.microsoft.com/office/drawing/2016/SVG/main" xmlns="" r:embed="rId8"/>
+                    <asvg:svgBlip xmlns:asvg="http://schemas.microsoft.com/office/drawing/2016/SVG/main" r:embed="rId8"/>
                   </a:ext>
                 </a:extLst>
               </a:blip>
@@ -17160,10 +16918,9 @@
                 <a:defRPr b="1"/>
               </a:pPr>
               <a:r>
-                <a:rPr lang="en-US" sz="2100" dirty="0" smtClean="0"/>
+                <a:rPr lang="en-US" sz="2100" dirty="0"/>
                 <a:t>Data</a:t>
               </a:r>
-              <a:endParaRPr lang="en-US" sz="2100" dirty="0"/>
             </a:p>
           </p:txBody>
         </p:sp>
@@ -17402,7 +17159,7 @@
                     <a14:useLocalDpi xmlns:a14="http://schemas.microsoft.com/office/drawing/2010/main" val="0"/>
                   </a:ext>
                   <a:ext uri="{96DAC541-7B7A-43D3-8B79-37D633B846F1}">
-                    <asvg:svgBlip xmlns:asvg="http://schemas.microsoft.com/office/drawing/2016/SVG/main" xmlns="" r:embed="rId10"/>
+                    <asvg:svgBlip xmlns:asvg="http://schemas.microsoft.com/office/drawing/2016/SVG/main" r:embed="rId10"/>
                   </a:ext>
                 </a:extLst>
               </a:blip>
@@ -17548,7 +17305,7 @@
                     <a14:useLocalDpi xmlns:a14="http://schemas.microsoft.com/office/drawing/2010/main" val="0"/>
                   </a:ext>
                   <a:ext uri="{96DAC541-7B7A-43D3-8B79-37D633B846F1}">
-                    <asvg:svgBlip xmlns:asvg="http://schemas.microsoft.com/office/drawing/2016/SVG/main" xmlns="" r:embed="rId4"/>
+                    <asvg:svgBlip xmlns:asvg="http://schemas.microsoft.com/office/drawing/2016/SVG/main" r:embed="rId4"/>
                   </a:ext>
                 </a:extLst>
               </a:blip>
@@ -17831,13 +17588,6 @@
   <p:clrMapOvr>
     <a:masterClrMapping/>
   </p:clrMapOvr>
-  <p:timing>
-    <p:tnLst>
-      <p:par>
-        <p:cTn id="1" dur="indefinite" restart="never" nodeType="tmRoot"/>
-      </p:par>
-    </p:tnLst>
-  </p:timing>
 </p:sld>
 </file>
 
@@ -17890,15 +17640,11 @@
               <a:rPr lang="en-US" dirty="0"/>
               <a:t>Web 3-Tier Example </a:t>
             </a:r>
-            <a:r>
-              <a:rPr lang="en-US" dirty="0" smtClean="0"/>
-              <a:t/>
-            </a:r>
             <a:br>
-              <a:rPr lang="en-US" dirty="0" smtClean="0"/>
+              <a:rPr lang="en-US" dirty="0"/>
             </a:br>
             <a:r>
-              <a:rPr lang="en-US" dirty="0" smtClean="0"/>
+              <a:rPr lang="en-US" dirty="0"/>
               <a:t>(</a:t>
             </a:r>
             <a:r>
@@ -17933,10 +17679,9 @@
           <a:lstStyle/>
           <a:p>
             <a:r>
-              <a:rPr lang="en-US" dirty="0" smtClean="0"/>
+              <a:rPr lang="en-US" dirty="0"/>
               <a:t>Here’s is how the popular web application WordPress is architected.</a:t>
             </a:r>
-            <a:endParaRPr lang="en-US" dirty="0"/>
           </a:p>
         </p:txBody>
       </p:sp>
@@ -18032,7 +17777,7 @@
                     <a14:useLocalDpi xmlns:a14="http://schemas.microsoft.com/office/drawing/2010/main" val="0"/>
                   </a:ext>
                   <a:ext uri="{96DAC541-7B7A-43D3-8B79-37D633B846F1}">
-                    <asvg:svgBlip xmlns:asvg="http://schemas.microsoft.com/office/drawing/2016/SVG/main" xmlns="" r:embed="rId4"/>
+                    <asvg:svgBlip xmlns:asvg="http://schemas.microsoft.com/office/drawing/2016/SVG/main" r:embed="rId4"/>
                   </a:ext>
                 </a:extLst>
               </a:blip>
@@ -18282,7 +18027,7 @@
                     <a14:useLocalDpi xmlns:a14="http://schemas.microsoft.com/office/drawing/2010/main" val="0"/>
                   </a:ext>
                   <a:ext uri="{96DAC541-7B7A-43D3-8B79-37D633B846F1}">
-                    <asvg:svgBlip xmlns:asvg="http://schemas.microsoft.com/office/drawing/2016/SVG/main" xmlns="" r:embed="rId6"/>
+                    <asvg:svgBlip xmlns:asvg="http://schemas.microsoft.com/office/drawing/2016/SVG/main" r:embed="rId6"/>
                   </a:ext>
                 </a:extLst>
               </a:blip>
@@ -18428,7 +18173,7 @@
                     <a14:useLocalDpi xmlns:a14="http://schemas.microsoft.com/office/drawing/2010/main" val="0"/>
                   </a:ext>
                   <a:ext uri="{96DAC541-7B7A-43D3-8B79-37D633B846F1}">
-                    <asvg:svgBlip xmlns:asvg="http://schemas.microsoft.com/office/drawing/2016/SVG/main" xmlns="" r:embed="rId8"/>
+                    <asvg:svgBlip xmlns:asvg="http://schemas.microsoft.com/office/drawing/2016/SVG/main" r:embed="rId8"/>
                   </a:ext>
                 </a:extLst>
               </a:blip>
@@ -18519,10 +18264,9 @@
                 <a:defRPr b="1"/>
               </a:pPr>
               <a:r>
-                <a:rPr lang="en-US" sz="2100" dirty="0" smtClean="0"/>
+                <a:rPr lang="en-US" sz="2100" dirty="0"/>
                 <a:t>Data</a:t>
               </a:r>
-              <a:endParaRPr lang="en-US" sz="2100" dirty="0"/>
             </a:p>
           </p:txBody>
         </p:sp>
@@ -18760,7 +18504,7 @@
                     <a14:useLocalDpi xmlns:a14="http://schemas.microsoft.com/office/drawing/2010/main" val="0"/>
                   </a:ext>
                   <a:ext uri="{96DAC541-7B7A-43D3-8B79-37D633B846F1}">
-                    <asvg:svgBlip xmlns:asvg="http://schemas.microsoft.com/office/drawing/2016/SVG/main" xmlns="" r:embed="rId10"/>
+                    <asvg:svgBlip xmlns:asvg="http://schemas.microsoft.com/office/drawing/2016/SVG/main" r:embed="rId10"/>
                   </a:ext>
                 </a:extLst>
               </a:blip>
@@ -18906,7 +18650,7 @@
                     <a14:useLocalDpi xmlns:a14="http://schemas.microsoft.com/office/drawing/2010/main" val="0"/>
                   </a:ext>
                   <a:ext uri="{96DAC541-7B7A-43D3-8B79-37D633B846F1}">
-                    <asvg:svgBlip xmlns:asvg="http://schemas.microsoft.com/office/drawing/2016/SVG/main" xmlns="" r:embed="rId4"/>
+                    <asvg:svgBlip xmlns:asvg="http://schemas.microsoft.com/office/drawing/2016/SVG/main" r:embed="rId4"/>
                   </a:ext>
                 </a:extLst>
               </a:blip>
@@ -19351,13 +19095,6 @@
   <p:clrMapOvr>
     <a:masterClrMapping/>
   </p:clrMapOvr>
-  <p:timing>
-    <p:tnLst>
-      <p:par>
-        <p:cTn id="1" dur="indefinite" restart="never" nodeType="tmRoot"/>
-      </p:par>
-    </p:tnLst>
-  </p:timing>
 </p:sld>
 </file>
 
@@ -19394,10 +19131,9 @@
           <a:lstStyle/>
           <a:p>
             <a:r>
-              <a:rPr lang="en-US" dirty="0" smtClean="0"/>
+              <a:rPr lang="en-US" dirty="0"/>
               <a:t>N-Tier</a:t>
             </a:r>
-            <a:endParaRPr lang="en-US" dirty="0"/>
           </a:p>
         </p:txBody>
       </p:sp>
@@ -19422,16 +19158,15 @@
           <a:lstStyle/>
           <a:p>
             <a:r>
-              <a:rPr lang="en-US" dirty="0" smtClean="0"/>
+              <a:rPr lang="en-US" dirty="0"/>
               <a:t>Break Up the Business Logic Even More… into as many Tiers as required.</a:t>
             </a:r>
           </a:p>
           <a:p>
             <a:r>
-              <a:rPr lang="en-US" dirty="0" smtClean="0"/>
+              <a:rPr lang="en-US" dirty="0"/>
               <a:t>That’s a lot of middleware. How do we deal with all that inter-process communication?</a:t>
             </a:r>
-            <a:endParaRPr lang="en-US" dirty="0"/>
           </a:p>
         </p:txBody>
       </p:sp>
@@ -19658,7 +19393,7 @@
                     <a14:useLocalDpi xmlns:a14="http://schemas.microsoft.com/office/drawing/2010/main" val="0"/>
                   </a:ext>
                   <a:ext uri="{96DAC541-7B7A-43D3-8B79-37D633B846F1}">
-                    <asvg:svgBlip xmlns:asvg="http://schemas.microsoft.com/office/drawing/2016/SVG/main" xmlns="" r:embed="rId3"/>
+                    <asvg:svgBlip xmlns:asvg="http://schemas.microsoft.com/office/drawing/2016/SVG/main" r:embed="rId3"/>
                   </a:ext>
                 </a:extLst>
               </a:blip>
@@ -19908,7 +19643,7 @@
                     <a14:useLocalDpi xmlns:a14="http://schemas.microsoft.com/office/drawing/2010/main" val="0"/>
                   </a:ext>
                   <a:ext uri="{96DAC541-7B7A-43D3-8B79-37D633B846F1}">
-                    <asvg:svgBlip xmlns:asvg="http://schemas.microsoft.com/office/drawing/2016/SVG/main" xmlns="" r:embed="rId5"/>
+                    <asvg:svgBlip xmlns:asvg="http://schemas.microsoft.com/office/drawing/2016/SVG/main" r:embed="rId5"/>
                   </a:ext>
                 </a:extLst>
               </a:blip>
@@ -20054,7 +19789,7 @@
                     <a14:useLocalDpi xmlns:a14="http://schemas.microsoft.com/office/drawing/2010/main" val="0"/>
                   </a:ext>
                   <a:ext uri="{96DAC541-7B7A-43D3-8B79-37D633B846F1}">
-                    <asvg:svgBlip xmlns:asvg="http://schemas.microsoft.com/office/drawing/2016/SVG/main" xmlns="" r:embed="rId7"/>
+                    <asvg:svgBlip xmlns:asvg="http://schemas.microsoft.com/office/drawing/2016/SVG/main" r:embed="rId7"/>
                   </a:ext>
                 </a:extLst>
               </a:blip>
@@ -20405,7 +20140,7 @@
                       <a14:useLocalDpi xmlns:a14="http://schemas.microsoft.com/office/drawing/2010/main" val="0"/>
                     </a:ext>
                     <a:ext uri="{96DAC541-7B7A-43D3-8B79-37D633B846F1}">
-                      <asvg:svgBlip xmlns:asvg="http://schemas.microsoft.com/office/drawing/2016/SVG/main" xmlns="" r:embed="rId9"/>
+                      <asvg:svgBlip xmlns:asvg="http://schemas.microsoft.com/office/drawing/2016/SVG/main" r:embed="rId9"/>
                     </a:ext>
                   </a:extLst>
                 </a:blip>
@@ -20551,7 +20286,7 @@
                       <a14:useLocalDpi xmlns:a14="http://schemas.microsoft.com/office/drawing/2010/main" val="0"/>
                     </a:ext>
                     <a:ext uri="{96DAC541-7B7A-43D3-8B79-37D633B846F1}">
-                      <asvg:svgBlip xmlns:asvg="http://schemas.microsoft.com/office/drawing/2016/SVG/main" xmlns="" r:embed="rId3"/>
+                      <asvg:svgBlip xmlns:asvg="http://schemas.microsoft.com/office/drawing/2016/SVG/main" r:embed="rId3"/>
                     </a:ext>
                   </a:extLst>
                 </a:blip>
@@ -20835,7 +20570,7 @@
                     <a14:useLocalDpi xmlns:a14="http://schemas.microsoft.com/office/drawing/2010/main" val="0"/>
                   </a:ext>
                   <a:ext uri="{96DAC541-7B7A-43D3-8B79-37D633B846F1}">
-                    <asvg:svgBlip xmlns:asvg="http://schemas.microsoft.com/office/drawing/2016/SVG/main" xmlns="" r:embed="rId3"/>
+                    <asvg:svgBlip xmlns:asvg="http://schemas.microsoft.com/office/drawing/2016/SVG/main" r:embed="rId3"/>
                   </a:ext>
                 </a:extLst>
               </a:blip>
@@ -21036,13 +20771,6 @@
   <p:clrMapOvr>
     <a:masterClrMapping/>
   </p:clrMapOvr>
-  <p:timing>
-    <p:tnLst>
-      <p:par>
-        <p:cTn id="1" dur="indefinite" restart="never" nodeType="tmRoot"/>
-      </p:par>
-    </p:tnLst>
-  </p:timing>
 </p:sld>
 </file>
 
@@ -21079,10 +20807,9 @@
           <a:lstStyle/>
           <a:p>
             <a:r>
-              <a:rPr lang="en-US" dirty="0" smtClean="0"/>
+              <a:rPr lang="en-US" dirty="0"/>
               <a:t>Enterprise Service Bus</a:t>
             </a:r>
-            <a:endParaRPr lang="en-US" dirty="0"/>
           </a:p>
         </p:txBody>
       </p:sp>
@@ -21109,32 +20836,32 @@
           <a:lstStyle/>
           <a:p>
             <a:r>
-              <a:rPr lang="en-US" dirty="0" smtClean="0"/>
+              <a:rPr lang="en-US" dirty="0"/>
               <a:t>The ESB is a software application which manages the commuinication among independent systems.</a:t>
             </a:r>
           </a:p>
           <a:p>
             <a:r>
-              <a:rPr lang="en-US" dirty="0" smtClean="0"/>
-              <a:t>It provides </a:t>
-            </a:r>
-            <a:r>
               <a:rPr lang="en-US" dirty="0"/>
-              <a:t>a consistent messaging API and guarantees delivery of information.</a:t>
-            </a:r>
-            <a:endParaRPr lang="en-US" dirty="0" smtClean="0"/>
-          </a:p>
-          <a:p>
-            <a:r>
-              <a:rPr lang="en-US" dirty="0" smtClean="0"/>
+              <a:t>It provides a consistent messaging API and guarantees delivery of information.</a:t>
+            </a:r>
+          </a:p>
+          <a:p>
+            <a:r>
+              <a:rPr lang="en-US" dirty="0"/>
               <a:t>It’s a more robust middleware replacement used as the message backbone for N-tier applications. </a:t>
             </a:r>
           </a:p>
           <a:p>
             <a:r>
-              <a:rPr lang="en-US" dirty="0" smtClean="0"/>
-              <a:t>Multiple applications share messages across the same bus.</a:t>
-            </a:r>
+              <a:rPr lang="en-US" dirty="0"/>
+              <a:t>Multiple applications share messages across the same bus. This is the foundation of </a:t>
+            </a:r>
+            <a:r>
+              <a:rPr lang="en-US" b="1" dirty="0"/>
+              <a:t>Service-Oriented Architecture</a:t>
+            </a:r>
+            <a:endParaRPr lang="en-US" dirty="0"/>
           </a:p>
           <a:p>
             <a:endParaRPr lang="en-US" dirty="0"/>
@@ -21151,13 +20878,6 @@
   <p:clrMapOvr>
     <a:masterClrMapping/>
   </p:clrMapOvr>
-  <p:timing>
-    <p:tnLst>
-      <p:par>
-        <p:cTn id="1" dur="indefinite" restart="never" nodeType="tmRoot"/>
-      </p:par>
-    </p:tnLst>
-  </p:timing>
 </p:sld>
 </file>
 
@@ -21194,10 +20914,9 @@
           <a:lstStyle/>
           <a:p>
             <a:r>
-              <a:rPr lang="en-US" dirty="0" smtClean="0"/>
-              <a:t>Enterprise Service Bus</a:t>
-            </a:r>
-            <a:endParaRPr lang="en-US" dirty="0"/>
+              <a:rPr lang="en-US" dirty="0"/>
+              <a:t>Service-Oriented Architecture</a:t>
+            </a:r>
           </a:p>
         </p:txBody>
       </p:sp>
@@ -21313,7 +21032,7 @@
                       <a14:useLocalDpi xmlns:a14="http://schemas.microsoft.com/office/drawing/2010/main" val="0"/>
                     </a:ext>
                     <a:ext uri="{96DAC541-7B7A-43D3-8B79-37D633B846F1}">
-                      <asvg:svgBlip xmlns:asvg="http://schemas.microsoft.com/office/drawing/2016/SVG/main" xmlns="" r:embed="rId9"/>
+                      <asvg:svgBlip xmlns:asvg="http://schemas.microsoft.com/office/drawing/2016/SVG/main" r:embed="rId3"/>
                     </a:ext>
                   </a:extLst>
                 </a:blip>
@@ -21453,13 +21172,13 @@
                 <a:avLst/>
               </a:prstGeom>
               <a:blipFill>
-                <a:blip r:embed="rId10" cstate="hqprint">
+                <a:blip r:embed="rId4" cstate="hqprint">
                   <a:extLst>
                     <a:ext uri="{28A0092B-C50C-407E-A947-70E740481C1C}">
                       <a14:useLocalDpi xmlns:a14="http://schemas.microsoft.com/office/drawing/2010/main" val="0"/>
                     </a:ext>
                     <a:ext uri="{96DAC541-7B7A-43D3-8B79-37D633B846F1}">
-                      <asvg:svgBlip xmlns:asvg="http://schemas.microsoft.com/office/drawing/2016/SVG/main" xmlns="" r:embed="rId3"/>
+                      <asvg:svgBlip xmlns:asvg="http://schemas.microsoft.com/office/drawing/2016/SVG/main" r:embed="rId5"/>
                     </a:ext>
                   </a:extLst>
                 </a:blip>
@@ -21645,13 +21364,13 @@
               <a:avLst/>
             </a:prstGeom>
             <a:blipFill>
-              <a:blip r:embed="rId11" cstate="hqprint">
+              <a:blip r:embed="rId4" cstate="hqprint">
                 <a:extLst>
                   <a:ext uri="{28A0092B-C50C-407E-A947-70E740481C1C}">
                     <a14:useLocalDpi xmlns:a14="http://schemas.microsoft.com/office/drawing/2010/main" val="0"/>
                   </a:ext>
                   <a:ext uri="{96DAC541-7B7A-43D3-8B79-37D633B846F1}">
-                    <asvg:svgBlip xmlns:asvg="http://schemas.microsoft.com/office/drawing/2016/SVG/main" xmlns="" r:embed="rId3"/>
+                    <asvg:svgBlip xmlns:asvg="http://schemas.microsoft.com/office/drawing/2016/SVG/main" r:embed="rId5"/>
                   </a:ext>
                 </a:extLst>
               </a:blip>
@@ -21895,13 +21614,13 @@
               <a:avLst/>
             </a:prstGeom>
             <a:blipFill>
-              <a:blip r:embed="rId12" cstate="hqprint">
+              <a:blip r:embed="rId6" cstate="hqprint">
                 <a:extLst>
                   <a:ext uri="{28A0092B-C50C-407E-A947-70E740481C1C}">
                     <a14:useLocalDpi xmlns:a14="http://schemas.microsoft.com/office/drawing/2010/main" val="0"/>
                   </a:ext>
                   <a:ext uri="{96DAC541-7B7A-43D3-8B79-37D633B846F1}">
-                    <asvg:svgBlip xmlns:asvg="http://schemas.microsoft.com/office/drawing/2016/SVG/main" xmlns="" r:embed="rId5"/>
+                    <asvg:svgBlip xmlns:asvg="http://schemas.microsoft.com/office/drawing/2016/SVG/main" r:embed="rId7"/>
                   </a:ext>
                 </a:extLst>
               </a:blip>
@@ -22041,13 +21760,13 @@
               <a:avLst/>
             </a:prstGeom>
             <a:blipFill>
-              <a:blip r:embed="rId13">
+              <a:blip r:embed="rId8">
                 <a:extLst>
                   <a:ext uri="{28A0092B-C50C-407E-A947-70E740481C1C}">
                     <a14:useLocalDpi xmlns:a14="http://schemas.microsoft.com/office/drawing/2010/main" val="0"/>
                   </a:ext>
                   <a:ext uri="{96DAC541-7B7A-43D3-8B79-37D633B846F1}">
-                    <asvg:svgBlip xmlns:asvg="http://schemas.microsoft.com/office/drawing/2016/SVG/main" xmlns="" r:embed="rId7"/>
+                    <asvg:svgBlip xmlns:asvg="http://schemas.microsoft.com/office/drawing/2016/SVG/main" r:embed="rId9"/>
                   </a:ext>
                 </a:extLst>
               </a:blip>
@@ -22274,13 +21993,13 @@
               <a:avLst/>
             </a:prstGeom>
             <a:blipFill>
-              <a:blip r:embed="rId11" cstate="hqprint">
+              <a:blip r:embed="rId4" cstate="hqprint">
                 <a:extLst>
                   <a:ext uri="{28A0092B-C50C-407E-A947-70E740481C1C}">
                     <a14:useLocalDpi xmlns:a14="http://schemas.microsoft.com/office/drawing/2010/main" val="0"/>
                   </a:ext>
                   <a:ext uri="{96DAC541-7B7A-43D3-8B79-37D633B846F1}">
-                    <asvg:svgBlip xmlns:asvg="http://schemas.microsoft.com/office/drawing/2016/SVG/main" xmlns="" r:embed="rId3"/>
+                    <asvg:svgBlip xmlns:asvg="http://schemas.microsoft.com/office/drawing/2016/SVG/main" r:embed="rId5"/>
                   </a:ext>
                 </a:extLst>
               </a:blip>
@@ -22491,7 +22210,7 @@
                       <a14:useLocalDpi xmlns:a14="http://schemas.microsoft.com/office/drawing/2010/main" val="0"/>
                     </a:ext>
                     <a:ext uri="{96DAC541-7B7A-43D3-8B79-37D633B846F1}">
-                      <asvg:svgBlip xmlns:asvg="http://schemas.microsoft.com/office/drawing/2016/SVG/main" xmlns="" r:embed="rId9"/>
+                      <asvg:svgBlip xmlns:asvg="http://schemas.microsoft.com/office/drawing/2016/SVG/main" r:embed="rId3"/>
                     </a:ext>
                   </a:extLst>
                 </a:blip>
@@ -22631,13 +22350,13 @@
                 <a:avLst/>
               </a:prstGeom>
               <a:blipFill>
-                <a:blip r:embed="rId10" cstate="hqprint">
+                <a:blip r:embed="rId4" cstate="hqprint">
                   <a:extLst>
                     <a:ext uri="{28A0092B-C50C-407E-A947-70E740481C1C}">
                       <a14:useLocalDpi xmlns:a14="http://schemas.microsoft.com/office/drawing/2010/main" val="0"/>
                     </a:ext>
                     <a:ext uri="{96DAC541-7B7A-43D3-8B79-37D633B846F1}">
-                      <asvg:svgBlip xmlns:asvg="http://schemas.microsoft.com/office/drawing/2016/SVG/main" xmlns="" r:embed="rId3"/>
+                      <asvg:svgBlip xmlns:asvg="http://schemas.microsoft.com/office/drawing/2016/SVG/main" r:embed="rId5"/>
                     </a:ext>
                   </a:extLst>
                 </a:blip>
@@ -22849,7 +22568,7 @@
                       <a14:useLocalDpi xmlns:a14="http://schemas.microsoft.com/office/drawing/2010/main" val="0"/>
                     </a:ext>
                     <a:ext uri="{96DAC541-7B7A-43D3-8B79-37D633B846F1}">
-                      <asvg:svgBlip xmlns:asvg="http://schemas.microsoft.com/office/drawing/2016/SVG/main" xmlns="" r:embed="rId9"/>
+                      <asvg:svgBlip xmlns:asvg="http://schemas.microsoft.com/office/drawing/2016/SVG/main" r:embed="rId3"/>
                     </a:ext>
                   </a:extLst>
                 </a:blip>
@@ -22989,13 +22708,13 @@
                 <a:avLst/>
               </a:prstGeom>
               <a:blipFill>
-                <a:blip r:embed="rId10" cstate="hqprint">
+                <a:blip r:embed="rId4" cstate="hqprint">
                   <a:extLst>
                     <a:ext uri="{28A0092B-C50C-407E-A947-70E740481C1C}">
                       <a14:useLocalDpi xmlns:a14="http://schemas.microsoft.com/office/drawing/2010/main" val="0"/>
                     </a:ext>
                     <a:ext uri="{96DAC541-7B7A-43D3-8B79-37D633B846F1}">
-                      <asvg:svgBlip xmlns:asvg="http://schemas.microsoft.com/office/drawing/2016/SVG/main" xmlns="" r:embed="rId3"/>
+                      <asvg:svgBlip xmlns:asvg="http://schemas.microsoft.com/office/drawing/2016/SVG/main" r:embed="rId5"/>
                     </a:ext>
                   </a:extLst>
                 </a:blip>
@@ -23138,10 +22857,9 @@
           <a:p>
             <a:pPr algn="ctr"/>
             <a:r>
-              <a:rPr lang="en-US" dirty="0" smtClean="0"/>
+              <a:rPr lang="en-US" dirty="0"/>
               <a:t>Website</a:t>
             </a:r>
-            <a:endParaRPr lang="en-US" dirty="0"/>
           </a:p>
         </p:txBody>
       </p:sp>
@@ -23188,10 +22906,9 @@
           <a:p>
             <a:pPr algn="ctr"/>
             <a:r>
-              <a:rPr lang="en-US" dirty="0" smtClean="0"/>
+              <a:rPr lang="en-US" dirty="0"/>
               <a:t>Mobile App</a:t>
             </a:r>
-            <a:endParaRPr lang="en-US" dirty="0"/>
           </a:p>
         </p:txBody>
       </p:sp>
@@ -23238,10 +22955,9 @@
           <a:p>
             <a:pPr algn="ctr"/>
             <a:r>
-              <a:rPr lang="en-US" dirty="0" smtClean="0"/>
+              <a:rPr lang="en-US" dirty="0"/>
               <a:t>CRM App</a:t>
             </a:r>
-            <a:endParaRPr lang="en-US" dirty="0"/>
           </a:p>
         </p:txBody>
       </p:sp>
@@ -23281,7 +22997,7 @@
           <a:p>
             <a:pPr algn="ctr"/>
             <a:r>
-              <a:rPr lang="en-US" b="1" dirty="0" smtClean="0">
+              <a:rPr lang="en-US" b="1" dirty="0">
                 <a:solidFill>
                   <a:schemeClr val="tx1"/>
                 </a:solidFill>
@@ -23292,14 +23008,14 @@
           <a:p>
             <a:pPr algn="ctr"/>
             <a:r>
-              <a:rPr lang="en-US" b="1" dirty="0" err="1" smtClean="0">
+              <a:rPr lang="en-US" b="1" dirty="0" err="1">
                 <a:solidFill>
                   <a:schemeClr val="tx1"/>
                 </a:solidFill>
               </a:rPr>
               <a:t>Prise</a:t>
             </a:r>
-            <a:endParaRPr lang="en-US" b="1" dirty="0" smtClean="0">
+            <a:endParaRPr lang="en-US" b="1" dirty="0">
               <a:solidFill>
                 <a:schemeClr val="tx1"/>
               </a:solidFill>
@@ -23308,7 +23024,7 @@
           <a:p>
             <a:pPr algn="ctr"/>
             <a:r>
-              <a:rPr lang="en-US" b="1" dirty="0" smtClean="0">
+              <a:rPr lang="en-US" b="1" dirty="0">
                 <a:solidFill>
                   <a:schemeClr val="tx1"/>
                 </a:solidFill>
@@ -23319,18 +23035,13 @@
           <a:p>
             <a:pPr algn="ctr"/>
             <a:r>
-              <a:rPr lang="en-US" b="1" dirty="0" smtClean="0">
+              <a:rPr lang="en-US" b="1" dirty="0">
                 <a:solidFill>
                   <a:schemeClr val="tx1"/>
                 </a:solidFill>
               </a:rPr>
               <a:t>Bus</a:t>
             </a:r>
-            <a:endParaRPr lang="en-US" b="1" dirty="0">
-              <a:solidFill>
-                <a:schemeClr val="tx1"/>
-              </a:solidFill>
-            </a:endParaRPr>
           </a:p>
         </p:txBody>
       </p:sp>
@@ -23420,13 +23131,13 @@
               <a:avLst/>
             </a:prstGeom>
             <a:blipFill>
-              <a:blip r:embed="rId11" cstate="hqprint">
+              <a:blip r:embed="rId4" cstate="hqprint">
                 <a:extLst>
                   <a:ext uri="{28A0092B-C50C-407E-A947-70E740481C1C}">
                     <a14:useLocalDpi xmlns:a14="http://schemas.microsoft.com/office/drawing/2010/main" val="0"/>
                   </a:ext>
                   <a:ext uri="{96DAC541-7B7A-43D3-8B79-37D633B846F1}">
-                    <asvg:svgBlip xmlns:asvg="http://schemas.microsoft.com/office/drawing/2016/SVG/main" xmlns="" r:embed="rId3"/>
+                    <asvg:svgBlip xmlns:asvg="http://schemas.microsoft.com/office/drawing/2016/SVG/main" r:embed="rId5"/>
                   </a:ext>
                 </a:extLst>
               </a:blip>
@@ -23568,10 +23279,9 @@
           <a:p>
             <a:pPr algn="ctr"/>
             <a:r>
-              <a:rPr lang="en-US" dirty="0" smtClean="0"/>
+              <a:rPr lang="en-US" dirty="0"/>
               <a:t>Application Back-End</a:t>
             </a:r>
-            <a:endParaRPr lang="en-US" dirty="0"/>
           </a:p>
         </p:txBody>
       </p:sp>
@@ -23618,17 +23328,16 @@
           <a:p>
             <a:pPr algn="ctr"/>
             <a:r>
-              <a:rPr lang="en-US" dirty="0" smtClean="0"/>
+              <a:rPr lang="en-US" dirty="0"/>
               <a:t>CRM</a:t>
             </a:r>
             <a:br>
-              <a:rPr lang="en-US" dirty="0" smtClean="0"/>
+              <a:rPr lang="en-US" dirty="0"/>
             </a:br>
             <a:r>
-              <a:rPr lang="en-US" dirty="0" smtClean="0"/>
+              <a:rPr lang="en-US" dirty="0"/>
               <a:t>API</a:t>
             </a:r>
-            <a:endParaRPr lang="en-US" dirty="0"/>
           </a:p>
         </p:txBody>
       </p:sp>
@@ -23675,14 +23384,14 @@
           <a:p>
             <a:pPr algn="ctr"/>
             <a:r>
-              <a:rPr lang="en-US" dirty="0" smtClean="0"/>
+              <a:rPr lang="en-US" dirty="0"/>
               <a:t>TXT</a:t>
             </a:r>
             <a:br>
-              <a:rPr lang="en-US" dirty="0" smtClean="0"/>
+              <a:rPr lang="en-US" dirty="0"/>
             </a:br>
             <a:r>
-              <a:rPr lang="en-US" dirty="0" err="1" smtClean="0"/>
+              <a:rPr lang="en-US" dirty="0" err="1"/>
               <a:t>Msg</a:t>
             </a:r>
             <a:endParaRPr lang="en-US" dirty="0"/>
@@ -23958,13 +23667,6 @@
   <p:clrMapOvr>
     <a:masterClrMapping/>
   </p:clrMapOvr>
-  <p:timing>
-    <p:tnLst>
-      <p:par>
-        <p:cTn id="1" dur="indefinite" restart="never" nodeType="tmRoot"/>
-      </p:par>
-    </p:tnLst>
-  </p:timing>
 </p:sld>
 </file>
 
@@ -24048,11 +23750,7 @@
           <a:p>
             <a:r>
               <a:rPr lang="en-US" dirty="0"/>
-              <a:t>These microservices manage a single responsibility, making the application easier to update and manage</a:t>
-            </a:r>
-            <a:r>
-              <a:rPr lang="en-US" dirty="0" smtClean="0"/>
-              <a:t>.</a:t>
+              <a:t>These microservices manage a single responsibility, making the application easier to update and manage.</a:t>
             </a:r>
           </a:p>
           <a:p>
@@ -24060,10 +23758,9 @@
               <a:buNone/>
             </a:pPr>
             <a:r>
-              <a:rPr lang="en-US" dirty="0" smtClean="0"/>
+              <a:rPr lang="en-US" dirty="0"/>
               <a:t> </a:t>
             </a:r>
-            <a:endParaRPr lang="en-US" dirty="0"/>
           </a:p>
         </p:txBody>
       </p:sp>
@@ -24077,13 +23774,6 @@
   <p:clrMapOvr>
     <a:masterClrMapping/>
   </p:clrMapOvr>
-  <p:timing>
-    <p:tnLst>
-      <p:par>
-        <p:cTn id="1" dur="indefinite" restart="never" nodeType="tmRoot"/>
-      </p:par>
-    </p:tnLst>
-  </p:timing>
 </p:sld>
 </file>
 
@@ -24120,10 +23810,9 @@
           <a:lstStyle/>
           <a:p>
             <a:r>
-              <a:rPr lang="en-US" dirty="0" smtClean="0"/>
+              <a:rPr lang="en-US" dirty="0"/>
               <a:t>Typical Micro Services Responsibilities</a:t>
             </a:r>
-            <a:endParaRPr lang="en-US" dirty="0"/>
           </a:p>
         </p:txBody>
       </p:sp>
@@ -24145,61 +23834,61 @@
           <a:lstStyle/>
           <a:p>
             <a:r>
-              <a:rPr lang="en-US" dirty="0" smtClean="0"/>
-              <a:t>Data / Business Logic By Feature</a:t>
+              <a:rPr lang="en-US" dirty="0"/>
+              <a:t>Business Capability</a:t>
             </a:r>
           </a:p>
           <a:p>
             <a:pPr lvl="1"/>
             <a:r>
-              <a:rPr lang="en-US" dirty="0" smtClean="0"/>
+              <a:rPr lang="en-US" dirty="0"/>
               <a:t>Customers</a:t>
             </a:r>
           </a:p>
           <a:p>
             <a:pPr lvl="1"/>
             <a:r>
-              <a:rPr lang="en-US" dirty="0" smtClean="0"/>
+              <a:rPr lang="en-US" dirty="0"/>
               <a:t>Orders</a:t>
             </a:r>
           </a:p>
           <a:p>
             <a:pPr lvl="1"/>
             <a:r>
-              <a:rPr lang="en-US" dirty="0" smtClean="0"/>
+              <a:rPr lang="en-US" dirty="0"/>
               <a:t>Inventory</a:t>
             </a:r>
           </a:p>
           <a:p>
             <a:r>
-              <a:rPr lang="en-US" dirty="0" smtClean="0"/>
+              <a:rPr lang="en-US" dirty="0"/>
               <a:t>Messaging</a:t>
             </a:r>
           </a:p>
           <a:p>
             <a:pPr lvl="1"/>
             <a:r>
-              <a:rPr lang="en-US" dirty="0" smtClean="0"/>
+              <a:rPr lang="en-US" dirty="0"/>
               <a:t>Email</a:t>
             </a:r>
           </a:p>
           <a:p>
             <a:pPr lvl="1"/>
             <a:r>
-              <a:rPr lang="en-US" dirty="0" smtClean="0"/>
+              <a:rPr lang="en-US" dirty="0"/>
               <a:t>Push Notification</a:t>
             </a:r>
           </a:p>
           <a:p>
             <a:pPr lvl="1"/>
             <a:r>
-              <a:rPr lang="en-US" dirty="0" smtClean="0"/>
+              <a:rPr lang="en-US" dirty="0"/>
               <a:t>TXT Alert</a:t>
             </a:r>
           </a:p>
           <a:p>
             <a:pPr lvl="1"/>
-            <a:endParaRPr lang="en-US" dirty="0" smtClean="0"/>
+            <a:endParaRPr lang="en-US" dirty="0"/>
           </a:p>
           <a:p>
             <a:pPr lvl="1"/>
@@ -24225,35 +23914,35 @@
           <a:lstStyle/>
           <a:p>
             <a:r>
-              <a:rPr lang="en-US" dirty="0" smtClean="0"/>
+              <a:rPr lang="en-US" dirty="0"/>
               <a:t>Function / Task</a:t>
             </a:r>
           </a:p>
           <a:p>
             <a:pPr lvl="1"/>
             <a:r>
-              <a:rPr lang="en-US" dirty="0" smtClean="0"/>
+              <a:rPr lang="en-US" dirty="0"/>
               <a:t>Transcode Video</a:t>
             </a:r>
           </a:p>
           <a:p>
             <a:pPr lvl="1"/>
             <a:r>
-              <a:rPr lang="en-US" dirty="0" smtClean="0"/>
+              <a:rPr lang="en-US" dirty="0"/>
               <a:t>Convert a File</a:t>
             </a:r>
           </a:p>
           <a:p>
             <a:pPr lvl="1"/>
             <a:r>
-              <a:rPr lang="en-US" dirty="0" smtClean="0"/>
+              <a:rPr lang="en-US" dirty="0"/>
               <a:t>Close-Caption Video</a:t>
             </a:r>
           </a:p>
           <a:p>
             <a:pPr lvl="1"/>
             <a:r>
-              <a:rPr lang="en-US" dirty="0" smtClean="0"/>
+              <a:rPr lang="en-US" dirty="0"/>
               <a:t>Machine Learning</a:t>
             </a:r>
           </a:p>
@@ -24281,7 +23970,7 @@
             <a:pPr marL="0" indent="0">
               <a:buNone/>
             </a:pPr>
-            <a:endParaRPr lang="en-US" dirty="0" smtClean="0"/>
+            <a:endParaRPr lang="en-US" dirty="0"/>
           </a:p>
           <a:p>
             <a:pPr lvl="1"/>
@@ -24299,13 +23988,6 @@
   <p:clrMapOvr>
     <a:masterClrMapping/>
   </p:clrMapOvr>
-  <p:timing>
-    <p:tnLst>
-      <p:par>
-        <p:cTn id="1" dur="indefinite" restart="never" nodeType="tmRoot"/>
-      </p:par>
-    </p:tnLst>
-  </p:timing>
 </p:sld>
 </file>
 
@@ -24348,10 +24030,9 @@
           <a:lstStyle/>
           <a:p>
             <a:r>
-              <a:rPr lang="en-US" dirty="0" smtClean="0"/>
+              <a:rPr lang="en-US" dirty="0"/>
               <a:t>Micro Services</a:t>
             </a:r>
-            <a:endParaRPr lang="en-US" dirty="0"/>
           </a:p>
         </p:txBody>
       </p:sp>
@@ -24578,7 +24259,7 @@
                     <a14:useLocalDpi xmlns:a14="http://schemas.microsoft.com/office/drawing/2010/main" val="0"/>
                   </a:ext>
                   <a:ext uri="{96DAC541-7B7A-43D3-8B79-37D633B846F1}">
-                    <asvg:svgBlip xmlns:asvg="http://schemas.microsoft.com/office/drawing/2016/SVG/main" xmlns="" r:embed="rId3"/>
+                    <asvg:svgBlip xmlns:asvg="http://schemas.microsoft.com/office/drawing/2016/SVG/main" r:embed="rId3"/>
                   </a:ext>
                 </a:extLst>
               </a:blip>
@@ -24828,7 +24509,7 @@
                     <a14:useLocalDpi xmlns:a14="http://schemas.microsoft.com/office/drawing/2010/main" val="0"/>
                   </a:ext>
                   <a:ext uri="{96DAC541-7B7A-43D3-8B79-37D633B846F1}">
-                    <asvg:svgBlip xmlns:asvg="http://schemas.microsoft.com/office/drawing/2016/SVG/main" xmlns="" r:embed="rId5"/>
+                    <asvg:svgBlip xmlns:asvg="http://schemas.microsoft.com/office/drawing/2016/SVG/main" r:embed="rId5"/>
                   </a:ext>
                 </a:extLst>
               </a:blip>
@@ -24974,7 +24655,7 @@
                     <a14:useLocalDpi xmlns:a14="http://schemas.microsoft.com/office/drawing/2010/main" val="0"/>
                   </a:ext>
                   <a:ext uri="{96DAC541-7B7A-43D3-8B79-37D633B846F1}">
-                    <asvg:svgBlip xmlns:asvg="http://schemas.microsoft.com/office/drawing/2016/SVG/main" xmlns="" r:embed="rId7"/>
+                    <asvg:svgBlip xmlns:asvg="http://schemas.microsoft.com/office/drawing/2016/SVG/main" r:embed="rId7"/>
                   </a:ext>
                 </a:extLst>
               </a:blip>
@@ -25325,7 +25006,7 @@
                       <a14:useLocalDpi xmlns:a14="http://schemas.microsoft.com/office/drawing/2010/main" val="0"/>
                     </a:ext>
                     <a:ext uri="{96DAC541-7B7A-43D3-8B79-37D633B846F1}">
-                      <asvg:svgBlip xmlns:asvg="http://schemas.microsoft.com/office/drawing/2016/SVG/main" xmlns="" r:embed="rId9"/>
+                      <asvg:svgBlip xmlns:asvg="http://schemas.microsoft.com/office/drawing/2016/SVG/main" r:embed="rId9"/>
                     </a:ext>
                   </a:extLst>
                 </a:blip>
@@ -25471,7 +25152,7 @@
                       <a14:useLocalDpi xmlns:a14="http://schemas.microsoft.com/office/drawing/2010/main" val="0"/>
                     </a:ext>
                     <a:ext uri="{96DAC541-7B7A-43D3-8B79-37D633B846F1}">
-                      <asvg:svgBlip xmlns:asvg="http://schemas.microsoft.com/office/drawing/2016/SVG/main" xmlns="" r:embed="rId3"/>
+                      <asvg:svgBlip xmlns:asvg="http://schemas.microsoft.com/office/drawing/2016/SVG/main" r:embed="rId3"/>
                     </a:ext>
                   </a:extLst>
                 </a:blip>
@@ -25915,7 +25596,7 @@
                     <a14:useLocalDpi xmlns:a14="http://schemas.microsoft.com/office/drawing/2010/main" val="0"/>
                   </a:ext>
                   <a:ext uri="{96DAC541-7B7A-43D3-8B79-37D633B846F1}">
-                    <asvg:svgBlip xmlns:asvg="http://schemas.microsoft.com/office/drawing/2016/SVG/main" xmlns="" r:embed="rId3"/>
+                    <asvg:svgBlip xmlns:asvg="http://schemas.microsoft.com/office/drawing/2016/SVG/main" r:embed="rId3"/>
                   </a:ext>
                 </a:extLst>
               </a:blip>
@@ -26175,7 +25856,7 @@
                       <a14:useLocalDpi xmlns:a14="http://schemas.microsoft.com/office/drawing/2010/main" val="0"/>
                     </a:ext>
                     <a:ext uri="{96DAC541-7B7A-43D3-8B79-37D633B846F1}">
-                      <asvg:svgBlip xmlns:asvg="http://schemas.microsoft.com/office/drawing/2016/SVG/main" xmlns="" r:embed="rId9"/>
+                      <asvg:svgBlip xmlns:asvg="http://schemas.microsoft.com/office/drawing/2016/SVG/main" r:embed="rId9"/>
                     </a:ext>
                   </a:extLst>
                 </a:blip>
@@ -26321,7 +26002,7 @@
                       <a14:useLocalDpi xmlns:a14="http://schemas.microsoft.com/office/drawing/2010/main" val="0"/>
                     </a:ext>
                     <a:ext uri="{96DAC541-7B7A-43D3-8B79-37D633B846F1}">
-                      <asvg:svgBlip xmlns:asvg="http://schemas.microsoft.com/office/drawing/2016/SVG/main" xmlns="" r:embed="rId3"/>
+                      <asvg:svgBlip xmlns:asvg="http://schemas.microsoft.com/office/drawing/2016/SVG/main" r:embed="rId3"/>
                     </a:ext>
                   </a:extLst>
                 </a:blip>
@@ -26513,7 +26194,7 @@
                     <a14:useLocalDpi xmlns:a14="http://schemas.microsoft.com/office/drawing/2010/main" val="0"/>
                   </a:ext>
                   <a:ext uri="{96DAC541-7B7A-43D3-8B79-37D633B846F1}">
-                    <asvg:svgBlip xmlns:asvg="http://schemas.microsoft.com/office/drawing/2016/SVG/main" xmlns="" r:embed="rId3"/>
+                    <asvg:svgBlip xmlns:asvg="http://schemas.microsoft.com/office/drawing/2016/SVG/main" r:embed="rId3"/>
                   </a:ext>
                 </a:extLst>
               </a:blip>
@@ -26763,7 +26444,7 @@
                     <a14:useLocalDpi xmlns:a14="http://schemas.microsoft.com/office/drawing/2010/main" val="0"/>
                   </a:ext>
                   <a:ext uri="{96DAC541-7B7A-43D3-8B79-37D633B846F1}">
-                    <asvg:svgBlip xmlns:asvg="http://schemas.microsoft.com/office/drawing/2016/SVG/main" xmlns="" r:embed="rId5"/>
+                    <asvg:svgBlip xmlns:asvg="http://schemas.microsoft.com/office/drawing/2016/SVG/main" r:embed="rId5"/>
                   </a:ext>
                 </a:extLst>
               </a:blip>
@@ -26909,7 +26590,7 @@
                     <a14:useLocalDpi xmlns:a14="http://schemas.microsoft.com/office/drawing/2010/main" val="0"/>
                   </a:ext>
                   <a:ext uri="{96DAC541-7B7A-43D3-8B79-37D633B846F1}">
-                    <asvg:svgBlip xmlns:asvg="http://schemas.microsoft.com/office/drawing/2016/SVG/main" xmlns="" r:embed="rId7"/>
+                    <asvg:svgBlip xmlns:asvg="http://schemas.microsoft.com/office/drawing/2016/SVG/main" r:embed="rId7"/>
                   </a:ext>
                 </a:extLst>
               </a:blip>
@@ -27383,13 +27064,6 @@
   <p:clrMapOvr>
     <a:masterClrMapping/>
   </p:clrMapOvr>
-  <p:timing>
-    <p:tnLst>
-      <p:par>
-        <p:cTn id="1" dur="indefinite" restart="never" nodeType="tmRoot"/>
-      </p:par>
-    </p:tnLst>
-  </p:timing>
 </p:sld>
 </file>
 
@@ -27426,10 +27100,9 @@
           <a:lstStyle/>
           <a:p>
             <a:r>
-              <a:rPr lang="en-US" dirty="0" smtClean="0"/>
+              <a:rPr lang="en-US" dirty="0"/>
               <a:t>Micro Services Example</a:t>
             </a:r>
-            <a:endParaRPr lang="en-US" dirty="0"/>
           </a:p>
         </p:txBody>
       </p:sp>
@@ -27454,36 +27127,35 @@
           <a:lstStyle/>
           <a:p>
             <a:r>
-              <a:rPr lang="en-US" dirty="0" smtClean="0"/>
+              <a:rPr lang="en-US" dirty="0"/>
               <a:t>Brower and Mobile </a:t>
             </a:r>
             <a:br>
-              <a:rPr lang="en-US" dirty="0" smtClean="0"/>
+              <a:rPr lang="en-US" dirty="0"/>
             </a:br>
             <a:r>
-              <a:rPr lang="en-US" dirty="0" smtClean="0"/>
+              <a:rPr lang="en-US" dirty="0"/>
               <a:t>app are clients</a:t>
             </a:r>
           </a:p>
           <a:p>
             <a:r>
-              <a:rPr lang="en-US" dirty="0" smtClean="0"/>
+              <a:rPr lang="en-US" dirty="0"/>
               <a:t>HTTP and REST API’s</a:t>
             </a:r>
             <a:br>
-              <a:rPr lang="en-US" dirty="0" smtClean="0"/>
+              <a:rPr lang="en-US" dirty="0"/>
             </a:br>
             <a:r>
-              <a:rPr lang="en-US" dirty="0" smtClean="0"/>
+              <a:rPr lang="en-US" dirty="0"/>
               <a:t>are the Middleware</a:t>
             </a:r>
           </a:p>
           <a:p>
             <a:r>
-              <a:rPr lang="en-US" dirty="0" smtClean="0"/>
-              <a:t>Separate Services for each business process of the application</a:t>
-            </a:r>
-            <a:endParaRPr lang="en-US" dirty="0"/>
+              <a:rPr lang="en-US" dirty="0"/>
+              <a:t>Separate Services for each business capability of the application</a:t>
+            </a:r>
           </a:p>
         </p:txBody>
       </p:sp>
@@ -27538,13 +27210,6 @@
   <p:clrMapOvr>
     <a:masterClrMapping/>
   </p:clrMapOvr>
-  <p:timing>
-    <p:tnLst>
-      <p:par>
-        <p:cTn id="1" dur="indefinite" restart="never" nodeType="tmRoot"/>
-      </p:par>
-    </p:tnLst>
-  </p:timing>
 </p:sld>
 </file>
 
@@ -27581,10 +27246,9 @@
           <a:lstStyle/>
           <a:p>
             <a:r>
-              <a:rPr lang="en-US" dirty="0" smtClean="0"/>
+              <a:rPr lang="en-US" dirty="0"/>
               <a:t>What is Application Architecture?</a:t>
             </a:r>
-            <a:endParaRPr lang="en-US" dirty="0"/>
           </a:p>
         </p:txBody>
       </p:sp>
@@ -27611,30 +27275,29 @@
           <a:lstStyle/>
           <a:p>
             <a:r>
-              <a:rPr lang="en-US" sz="3200" dirty="0" smtClean="0"/>
+              <a:rPr lang="en-US" sz="3200" dirty="0"/>
               <a:t>Defines how the workloads of a service are partitioned or subdivided over a network.</a:t>
             </a:r>
           </a:p>
           <a:p>
             <a:r>
-              <a:rPr lang="en-US" sz="3200" dirty="0" smtClean="0"/>
+              <a:rPr lang="en-US" sz="3200" dirty="0"/>
               <a:t>This is done so that: </a:t>
             </a:r>
           </a:p>
           <a:p>
             <a:pPr lvl="1"/>
             <a:r>
-              <a:rPr lang="en-US" sz="2800" dirty="0" smtClean="0"/>
+              <a:rPr lang="en-US" sz="2800" dirty="0"/>
               <a:t>More than one client can  access the service</a:t>
             </a:r>
           </a:p>
           <a:p>
             <a:pPr lvl="1"/>
             <a:r>
-              <a:rPr lang="en-US" sz="2800" dirty="0" smtClean="0"/>
+              <a:rPr lang="en-US" sz="2800" dirty="0"/>
               <a:t>The workload can be distributed to achieve better performance</a:t>
             </a:r>
-            <a:endParaRPr lang="en-US" sz="2800" dirty="0"/>
           </a:p>
         </p:txBody>
       </p:sp>
@@ -27774,14 +27437,9 @@
           <a:lstStyle/>
           <a:p>
             <a:r>
-              <a:rPr lang="en-US" dirty="0" smtClean="0"/>
-              <a:t>Layers </a:t>
-            </a:r>
-            <a:r>
-              <a:rPr lang="en-US" dirty="0" smtClean="0"/>
-              <a:t>of An Application</a:t>
-            </a:r>
-            <a:endParaRPr lang="en-US" dirty="0"/>
+              <a:rPr lang="en-US" dirty="0"/>
+              <a:t>Layers of An Application</a:t>
+            </a:r>
           </a:p>
         </p:txBody>
       </p:sp>
@@ -27826,13 +27484,6 @@
   <p:clrMapOvr>
     <a:masterClrMapping/>
   </p:clrMapOvr>
-  <p:timing>
-    <p:tnLst>
-      <p:par>
-        <p:cTn id="1" dur="indefinite" restart="never" nodeType="tmRoot"/>
-      </p:par>
-    </p:tnLst>
-  </p:timing>
 </p:sld>
 </file>
 
@@ -27940,12 +27591,8 @@
           <a:lstStyle/>
           <a:p>
             <a:r>
-              <a:rPr lang="en-US" dirty="0" smtClean="0"/>
-              <a:t>Code which addresses User </a:t>
-            </a:r>
-            <a:r>
               <a:rPr lang="en-US" dirty="0"/>
-              <a:t>interface concerns</a:t>
+              <a:t>Code which addresses User interface concerns</a:t>
             </a:r>
           </a:p>
           <a:p>
@@ -27965,19 +27612,14 @@
             </a:r>
             <a:r>
               <a:rPr lang="en-US" dirty="0"/>
-              <a:t> interface builder / Android </a:t>
-            </a:r>
-            <a:r>
-              <a:rPr lang="en-US" dirty="0" smtClean="0"/>
-              <a:t>studio</a:t>
-            </a:r>
-          </a:p>
-          <a:p>
-            <a:r>
-              <a:rPr lang="en-US" dirty="0" smtClean="0"/>
+              <a:t> interface builder / Android studio</a:t>
+            </a:r>
+          </a:p>
+          <a:p>
+            <a:r>
+              <a:rPr lang="en-US" dirty="0"/>
               <a:t>Windows / Mac / Linux: Varies</a:t>
             </a:r>
-            <a:endParaRPr lang="en-US" dirty="0"/>
           </a:p>
         </p:txBody>
       </p:sp>
@@ -28038,13 +27680,6 @@
   <p:clrMapOvr>
     <a:masterClrMapping/>
   </p:clrMapOvr>
-  <p:timing>
-    <p:tnLst>
-      <p:par>
-        <p:cTn id="1" dur="indefinite" restart="never" nodeType="tmRoot"/>
-      </p:par>
-    </p:tnLst>
-  </p:timing>
 </p:sld>
 </file>
 
@@ -28122,12 +27757,8 @@
           <a:lstStyle/>
           <a:p>
             <a:r>
-              <a:rPr lang="en-US" dirty="0" smtClean="0"/>
-              <a:t>Code to address the Transformational </a:t>
-            </a:r>
-            <a:r>
               <a:rPr lang="en-US" dirty="0"/>
-              <a:t>Logic of the application; part of the application’s functionality </a:t>
+              <a:t>Code to address the Transformational Logic of the application; part of the application’s functionality </a:t>
             </a:r>
           </a:p>
           <a:p>
@@ -28231,13 +27862,6 @@
   <p:clrMapOvr>
     <a:masterClrMapping/>
   </p:clrMapOvr>
-  <p:timing>
-    <p:tnLst>
-      <p:par>
-        <p:cTn id="1" dur="indefinite" restart="never" nodeType="tmRoot"/>
-      </p:par>
-    </p:tnLst>
-  </p:timing>
 </p:sld>
 </file>
 
@@ -28316,22 +27940,13 @@
           <a:p>
             <a:r>
               <a:rPr lang="en-US" dirty="0"/>
-              <a:t>Responsible for CRUD </a:t>
-            </a:r>
-            <a:r>
-              <a:rPr lang="en-US" dirty="0" smtClean="0"/>
-              <a:t> (Create, Read, Update, Delete) Operations</a:t>
-            </a:r>
-            <a:endParaRPr lang="en-US" dirty="0"/>
-          </a:p>
-          <a:p>
-            <a:r>
-              <a:rPr lang="en-US" dirty="0" smtClean="0"/>
-              <a:t>Code </a:t>
-            </a:r>
+              <a:t>Responsible for CRUD  (Create, Read, Update, Delete) Operations</a:t>
+            </a:r>
+          </a:p>
+          <a:p>
             <a:r>
               <a:rPr lang="en-US" dirty="0"/>
-              <a:t>which transforms operations into the DSL (Domain specific Language) to communicate with the database. (Typically SQL).</a:t>
+              <a:t>Code which transforms operations into the DSL (Domain specific Language) to communicate with the database. (Typically SQL).</a:t>
             </a:r>
           </a:p>
         </p:txBody>
@@ -28376,13 +27991,6 @@
   <p:clrMapOvr>
     <a:masterClrMapping/>
   </p:clrMapOvr>
-  <p:timing>
-    <p:tnLst>
-      <p:par>
-        <p:cTn id="1" dur="indefinite" restart="never" nodeType="tmRoot"/>
-      </p:par>
-    </p:tnLst>
-  </p:timing>
 </p:sld>
 </file>
 
@@ -28419,14 +28027,9 @@
           <a:lstStyle/>
           <a:p>
             <a:r>
-              <a:rPr lang="en-US" dirty="0" smtClean="0"/>
-              <a:t>Types of Application </a:t>
-            </a:r>
-            <a:r>
-              <a:rPr lang="en-US" dirty="0" smtClean="0"/>
-              <a:t>Architectures</a:t>
-            </a:r>
-            <a:endParaRPr lang="en-US" dirty="0"/>
+              <a:rPr lang="en-US" dirty="0"/>
+              <a:t>Types of Application Architectures</a:t>
+            </a:r>
           </a:p>
         </p:txBody>
       </p:sp>
@@ -28457,7 +28060,7 @@
               <a:buAutoNum type="arabicPeriod"/>
             </a:pPr>
             <a:r>
-              <a:rPr lang="en-US" dirty="0" smtClean="0"/>
+              <a:rPr lang="en-US" dirty="0"/>
               <a:t>Monolithic </a:t>
             </a:r>
           </a:p>
@@ -28467,7 +28070,7 @@
               <a:buAutoNum type="arabicPeriod"/>
             </a:pPr>
             <a:r>
-              <a:rPr lang="en-US" dirty="0" smtClean="0"/>
+              <a:rPr lang="en-US" dirty="0"/>
               <a:t>Monolithic over distributed storage</a:t>
             </a:r>
           </a:p>
@@ -28477,7 +28080,7 @@
               <a:buAutoNum type="arabicPeriod"/>
             </a:pPr>
             <a:r>
-              <a:rPr lang="en-US" dirty="0" smtClean="0"/>
+              <a:rPr lang="en-US" dirty="0"/>
               <a:t>Two-tier thin client </a:t>
             </a:r>
           </a:p>
@@ -28487,7 +28090,7 @@
               <a:buAutoNum type="arabicPeriod"/>
             </a:pPr>
             <a:r>
-              <a:rPr lang="en-US" dirty="0" smtClean="0"/>
+              <a:rPr lang="en-US" dirty="0"/>
               <a:t>Two-tier fat-client</a:t>
             </a:r>
           </a:p>
@@ -28497,7 +28100,7 @@
               <a:buAutoNum type="arabicPeriod"/>
             </a:pPr>
             <a:r>
-              <a:rPr lang="en-US" dirty="0" smtClean="0"/>
+              <a:rPr lang="en-US" dirty="0"/>
               <a:t>Three Tier</a:t>
             </a:r>
           </a:p>
@@ -28507,7 +28110,7 @@
               <a:buAutoNum type="arabicPeriod"/>
             </a:pPr>
             <a:r>
-              <a:rPr lang="en-US" dirty="0" smtClean="0"/>
+              <a:rPr lang="en-US" dirty="0"/>
               <a:t>N-Tier</a:t>
             </a:r>
           </a:p>
@@ -28517,7 +28120,7 @@
               <a:buAutoNum type="arabicPeriod"/>
             </a:pPr>
             <a:r>
-              <a:rPr lang="en-US" dirty="0" smtClean="0"/>
+              <a:rPr lang="en-US" dirty="0"/>
               <a:t>Enterprise Service Bus</a:t>
             </a:r>
           </a:p>
@@ -28527,10 +28130,9 @@
               <a:buAutoNum type="arabicPeriod"/>
             </a:pPr>
             <a:r>
-              <a:rPr lang="en-US" dirty="0" smtClean="0"/>
+              <a:rPr lang="en-US" dirty="0"/>
               <a:t>Micro Services</a:t>
             </a:r>
-            <a:endParaRPr lang="en-US" dirty="0"/>
           </a:p>
         </p:txBody>
       </p:sp>
@@ -28571,10 +28173,9 @@
           <a:p>
             <a:pPr algn="ctr"/>
             <a:r>
-              <a:rPr lang="en-US" sz="3200" dirty="0" smtClean="0"/>
+              <a:rPr lang="en-US" sz="3200" dirty="0"/>
               <a:t>Complexity</a:t>
             </a:r>
-            <a:endParaRPr lang="en-US" sz="3200" dirty="0"/>
           </a:p>
         </p:txBody>
       </p:sp>
@@ -28588,13 +28189,6 @@
   <p:clrMapOvr>
     <a:masterClrMapping/>
   </p:clrMapOvr>
-  <p:timing>
-    <p:tnLst>
-      <p:par>
-        <p:cTn id="1" dur="indefinite" restart="never" nodeType="tmRoot"/>
-      </p:par>
-    </p:tnLst>
-  </p:timing>
 </p:sld>
 </file>
 
@@ -28632,12 +28226,8 @@
           <a:p>
             <a:pPr eaLnBrk="1" hangingPunct="1"/>
             <a:r>
-              <a:rPr lang="en-US" altLang="en-US" dirty="0" smtClean="0"/>
-              <a:t>A </a:t>
-            </a:r>
-            <a:r>
               <a:rPr lang="en-US" altLang="en-US" dirty="0"/>
-              <a:t>Monolithic Application</a:t>
+              <a:t>A Monolithic Application</a:t>
             </a:r>
           </a:p>
         </p:txBody>
@@ -28684,36 +28274,19 @@
           <a:p>
             <a:r>
               <a:rPr lang="en-US" dirty="0"/>
-              <a:t>Single-User. Single Site. No Scale</a:t>
-            </a:r>
-            <a:r>
-              <a:rPr lang="en-US" dirty="0" smtClean="0"/>
-              <a:t>.</a:t>
-            </a:r>
-          </a:p>
-          <a:p>
-            <a:r>
-              <a:rPr lang="en-US" dirty="0" smtClean="0"/>
+              <a:t>Single-User. Single Site. No Scale.</a:t>
+            </a:r>
+          </a:p>
+          <a:p>
+            <a:r>
+              <a:rPr lang="en-US" dirty="0"/>
               <a:t>Multiple uses, multiple instances.</a:t>
             </a:r>
-            <a:endParaRPr lang="en-US" dirty="0"/>
-          </a:p>
-          <a:p>
-            <a:r>
-              <a:rPr lang="en-US" dirty="0" smtClean="0"/>
-              <a:t>Example</a:t>
-            </a:r>
+          </a:p>
+          <a:p>
             <a:r>
               <a:rPr lang="en-US" dirty="0"/>
-              <a:t>: </a:t>
-            </a:r>
-            <a:r>
-              <a:rPr lang="en-US" dirty="0" smtClean="0"/>
-              <a:t>MS Word, application </a:t>
-            </a:r>
-            <a:r>
-              <a:rPr lang="en-US" dirty="0"/>
-              <a:t>on your phone.</a:t>
+              <a:t>Example: MS Word, application on your phone.</a:t>
             </a:r>
           </a:p>
         </p:txBody>
@@ -28810,7 +28383,7 @@
                     <a14:useLocalDpi xmlns:a14="http://schemas.microsoft.com/office/drawing/2010/main" val="0"/>
                   </a:ext>
                   <a:ext uri="{96DAC541-7B7A-43D3-8B79-37D633B846F1}">
-                    <asvg:svgBlip xmlns:asvg="http://schemas.microsoft.com/office/drawing/2016/SVG/main" xmlns="" r:embed="rId4"/>
+                    <asvg:svgBlip xmlns:asvg="http://schemas.microsoft.com/office/drawing/2016/SVG/main" r:embed="rId4"/>
                   </a:ext>
                 </a:extLst>
               </a:blip>
@@ -28956,7 +28529,7 @@
                     <a14:useLocalDpi xmlns:a14="http://schemas.microsoft.com/office/drawing/2010/main" val="0"/>
                   </a:ext>
                   <a:ext uri="{96DAC541-7B7A-43D3-8B79-37D633B846F1}">
-                    <asvg:svgBlip xmlns:asvg="http://schemas.microsoft.com/office/drawing/2016/SVG/main" xmlns="" r:embed="rId6"/>
+                    <asvg:svgBlip xmlns:asvg="http://schemas.microsoft.com/office/drawing/2016/SVG/main" r:embed="rId6"/>
                   </a:ext>
                 </a:extLst>
               </a:blip>
@@ -29102,7 +28675,7 @@
                     <a14:useLocalDpi xmlns:a14="http://schemas.microsoft.com/office/drawing/2010/main" val="0"/>
                   </a:ext>
                   <a:ext uri="{96DAC541-7B7A-43D3-8B79-37D633B846F1}">
-                    <asvg:svgBlip xmlns:asvg="http://schemas.microsoft.com/office/drawing/2016/SVG/main" xmlns="" r:embed="rId8"/>
+                    <asvg:svgBlip xmlns:asvg="http://schemas.microsoft.com/office/drawing/2016/SVG/main" r:embed="rId8"/>
                   </a:ext>
                 </a:extLst>
               </a:blip>
@@ -29248,7 +28821,7 @@
                     <a14:useLocalDpi xmlns:a14="http://schemas.microsoft.com/office/drawing/2010/main" val="0"/>
                   </a:ext>
                   <a:ext uri="{96DAC541-7B7A-43D3-8B79-37D633B846F1}">
-                    <asvg:svgBlip xmlns:asvg="http://schemas.microsoft.com/office/drawing/2016/SVG/main" xmlns="" r:embed="rId10"/>
+                    <asvg:svgBlip xmlns:asvg="http://schemas.microsoft.com/office/drawing/2016/SVG/main" r:embed="rId10"/>
                   </a:ext>
                 </a:extLst>
               </a:blip>
@@ -29339,10 +28912,9 @@
                 <a:defRPr b="1"/>
               </a:pPr>
               <a:r>
-                <a:rPr lang="en-US" sz="2100" dirty="0" smtClean="0"/>
+                <a:rPr lang="en-US" sz="2100" dirty="0"/>
                 <a:t>Data</a:t>
               </a:r>
-              <a:endParaRPr lang="en-US" sz="2100" dirty="0"/>
             </a:p>
           </p:txBody>
         </p:sp>
@@ -29357,13 +28929,6 @@
   <p:clrMapOvr>
     <a:masterClrMapping/>
   </p:clrMapOvr>
-  <p:timing>
-    <p:tnLst>
-      <p:par>
-        <p:cTn id="1" dur="indefinite" restart="never" nodeType="tmRoot"/>
-      </p:par>
-    </p:tnLst>
-  </p:timing>
 </p:sld>
 </file>
 
